--- a/help/data-sheets/assets/DMeBusinessSupportDatasheet_2022.pptx
+++ b/help/data-sheets/assets/DMeBusinessSupportDatasheet_2022.pptx
@@ -432,41 +432,6 @@
 </pc:chgInfo>
 </file>
 
-<file path=ppt/comments/modernComment_105_3E964E31.xml><?xml version="1.0" encoding="utf-8"?>
-<p188:cmLst xmlns:a="http://schemas.openxmlformats.org/drawingml/2006/main" xmlns:r="http://schemas.openxmlformats.org/officeDocument/2006/relationships" xmlns:p188="http://schemas.microsoft.com/office/powerpoint/2018/8/main">
-  <p188:cm id="{71667EB1-1D95-4194-9107-42D8CF943CA0}" authorId="{DB1A11B9-3973-06DC-DBC2-EFEFEF087FED}" created="2022-02-09T19:19:31.362">
-    <pc:sldMkLst xmlns:pc="http://schemas.microsoft.com/office/powerpoint/2013/main/command">
-      <pc:docMk/>
-      <pc:sldMk cId="1050037809" sldId="261"/>
-    </pc:sldMkLst>
-    <p188:replyLst>
-      <p188:reply id="{A4AD3427-FF77-4841-BB89-DE3448FC5319}" authorId="{D376325D-2BBD-24A3-9FEE-692465B927D5}" created="2022-02-10T15:57:01.008">
-        <p188:txBody>
-          <a:bodyPr/>
-          <a:lstStyle/>
-          <a:p>
-            <a:r>
-              <a:rPr lang="en-US"/>
-              <a:t>Updated. </a:t>
-            </a:r>
-          </a:p>
-        </p188:txBody>
-      </p188:reply>
-    </p188:replyLst>
-    <p188:txBody>
-      <a:bodyPr/>
-      <a:lstStyle/>
-      <a:p>
-        <a:r>
-          <a:rPr lang="en-US"/>
-          <a:t>[@Jaclyn Zalesky]  change from Experience League to Enterprise Learn &amp; Support https://helpx.adobe.com/enterprise.html</a:t>
-        </a:r>
-      </a:p>
-    </p188:txBody>
-  </p188:cm>
-</p188:cmLst>
-</file>
-
 <file path=ppt/notesMasters/notesMaster1.xml><?xml version="1.0" encoding="utf-8"?>
 <p:notesMaster xmlns:a="http://schemas.openxmlformats.org/drawingml/2006/main" xmlns:r="http://schemas.openxmlformats.org/officeDocument/2006/relationships" xmlns:p="http://schemas.openxmlformats.org/presentationml/2006/main">
   <p:cSld>
@@ -549,7 +514,7 @@
           <a:p>
             <a:fld id="{FB81873C-0B24-F04A-98A1-90E0A78F7E8A}" type="datetimeFigureOut">
               <a:rPr lang="en-US" smtClean="0"/>
-              <a:t>3/3/2022</a:t>
+              <a:t>3/25/2022</a:t>
             </a:fld>
             <a:endParaRPr lang="en-US"/>
           </a:p>
@@ -1172,7 +1137,7 @@
           <a:p>
             <a:fld id="{1D8BD707-D9CF-40AE-B4C6-C98DA3205C09}" type="datetimeFigureOut">
               <a:rPr lang="en-US"/>
-              <a:t>3/3/2022</a:t>
+              <a:t>3/25/2022</a:t>
             </a:fld>
             <a:endParaRPr lang="en-US"/>
           </a:p>
@@ -1334,7 +1299,7 @@
           <a:p>
             <a:fld id="{1D8BD707-D9CF-40AE-B4C6-C98DA3205C09}" type="datetimeFigureOut">
               <a:rPr lang="en-US"/>
-              <a:t>3/3/2022</a:t>
+              <a:t>3/25/2022</a:t>
             </a:fld>
             <a:endParaRPr lang="en-US"/>
           </a:p>
@@ -1652,7 +1617,7 @@
           <a:p>
             <a:fld id="{1D8BD707-D9CF-40AE-B4C6-C98DA3205C09}" type="datetimeFigureOut">
               <a:rPr lang="en-US"/>
-              <a:t>3/3/2022</a:t>
+              <a:t>3/25/2022</a:t>
             </a:fld>
             <a:endParaRPr lang="en-US"/>
           </a:p>
@@ -1877,7 +1842,7 @@
         <p:spPr>
           <a:xfrm>
             <a:off x="168565" y="7162363"/>
-            <a:ext cx="2800350" cy="238760"/>
+            <a:ext cx="4389120" cy="238760"/>
           </a:xfrm>
           <a:prstGeom prst="rect">
             <a:avLst/>
@@ -1898,7 +1863,7 @@
               </a:spcBef>
             </a:pPr>
             <a:r>
-              <a:rPr sz="1400" b="1" u="heavy" spc="10" dirty="0">
+              <a:rPr lang="pt-BR" sz="1400" b="1" u="heavy" dirty="0">
                 <a:solidFill>
                   <a:srgbClr val="020302"/>
                 </a:solidFill>
@@ -1910,87 +1875,8 @@
                 <a:latin typeface="Adobe Clean"/>
                 <a:cs typeface="Adobe Clean"/>
               </a:rPr>
-              <a:t>Service </a:t>
+              <a:t>Metas de nível de serviço: Resposta inicial</a:t>
             </a:r>
-            <a:r>
-              <a:rPr sz="1400" b="1" u="heavy" spc="-10" dirty="0">
-                <a:solidFill>
-                  <a:srgbClr val="020302"/>
-                </a:solidFill>
-                <a:uFill>
-                  <a:solidFill>
-                    <a:srgbClr val="020302"/>
-                  </a:solidFill>
-                </a:uFill>
-                <a:latin typeface="Adobe Clean"/>
-                <a:cs typeface="Adobe Clean"/>
-              </a:rPr>
-              <a:t>Level </a:t>
-            </a:r>
-            <a:r>
-              <a:rPr sz="1400" b="1" u="heavy" spc="-45" dirty="0">
-                <a:solidFill>
-                  <a:srgbClr val="020302"/>
-                </a:solidFill>
-                <a:uFill>
-                  <a:solidFill>
-                    <a:srgbClr val="020302"/>
-                  </a:solidFill>
-                </a:uFill>
-                <a:latin typeface="Adobe Clean"/>
-                <a:cs typeface="Adobe Clean"/>
-              </a:rPr>
-              <a:t>Targets: </a:t>
-            </a:r>
-            <a:r>
-              <a:rPr sz="1400" b="1" u="heavy" spc="-10" dirty="0">
-                <a:solidFill>
-                  <a:srgbClr val="020302"/>
-                </a:solidFill>
-                <a:uFill>
-                  <a:solidFill>
-                    <a:srgbClr val="020302"/>
-                  </a:solidFill>
-                </a:uFill>
-                <a:latin typeface="Adobe Clean"/>
-                <a:cs typeface="Adobe Clean"/>
-              </a:rPr>
-              <a:t>Initial</a:t>
-            </a:r>
-            <a:r>
-              <a:rPr sz="1400" b="1" u="heavy" spc="-140" dirty="0">
-                <a:solidFill>
-                  <a:srgbClr val="020302"/>
-                </a:solidFill>
-                <a:uFill>
-                  <a:solidFill>
-                    <a:srgbClr val="020302"/>
-                  </a:solidFill>
-                </a:uFill>
-                <a:latin typeface="Adobe Clean"/>
-                <a:cs typeface="Adobe Clean"/>
-              </a:rPr>
-              <a:t> </a:t>
-            </a:r>
-            <a:r>
-              <a:rPr sz="1400" b="1" u="heavy" spc="-15" dirty="0">
-                <a:solidFill>
-                  <a:srgbClr val="020302"/>
-                </a:solidFill>
-                <a:uFill>
-                  <a:solidFill>
-                    <a:srgbClr val="020302"/>
-                  </a:solidFill>
-                </a:uFill>
-                <a:latin typeface="Adobe Clean"/>
-                <a:cs typeface="Adobe Clean"/>
-              </a:rPr>
-              <a:t>Response</a:t>
-            </a:r>
-            <a:endParaRPr sz="1400" dirty="0">
-              <a:latin typeface="Adobe Clean"/>
-              <a:cs typeface="Adobe Clean"/>
-            </a:endParaRPr>
           </a:p>
         </p:txBody>
       </p:sp>
@@ -2057,20 +1943,11 @@
               </a:spcBef>
             </a:pPr>
             <a:r>
-              <a:rPr sz="2300" dirty="0">
+              <a:rPr lang="pt-BR" sz="2300">
                 <a:latin typeface="Adobe Clean" panose="020B0503020404020204" pitchFamily="34" charset="0"/>
               </a:rPr>
-              <a:t>ADOBE </a:t>
+              <a:t>PLANOS DE SUPORTE DA ADOBE</a:t>
             </a:r>
-            <a:r>
-              <a:rPr lang="en-US" sz="2300" dirty="0">
-                <a:latin typeface="Adobe Clean" panose="020B0503020404020204" pitchFamily="34" charset="0"/>
-              </a:rPr>
-              <a:t>SUPPORT PLANS</a:t>
-            </a:r>
-            <a:endParaRPr sz="2300" dirty="0">
-              <a:latin typeface="Adobe Clean" panose="020B0503020404020204" pitchFamily="34" charset="0"/>
-            </a:endParaRPr>
           </a:p>
         </p:txBody>
       </p:sp>
@@ -2082,8 +1959,8 @@
         </p:nvSpPr>
         <p:spPr>
           <a:xfrm>
-            <a:off x="121147" y="635935"/>
-            <a:ext cx="5865216" cy="1281120"/>
+            <a:off x="127543" y="594796"/>
+            <a:ext cx="5865216" cy="1427314"/>
           </a:xfrm>
           <a:prstGeom prst="rect">
             <a:avLst/>
@@ -2104,7 +1981,7 @@
               </a:spcBef>
             </a:pPr>
             <a:r>
-              <a:rPr lang="en-US" sz="1200" dirty="0">
+              <a:rPr lang="pt-BR" sz="1200" dirty="0">
                 <a:solidFill>
                   <a:schemeClr val="bg1"/>
                 </a:solidFill>
@@ -2113,7 +1990,7 @@
               <a:t>Standard | </a:t>
             </a:r>
             <a:r>
-              <a:rPr lang="en-US" sz="1200" b="1" dirty="0">
+              <a:rPr lang="pt-BR" sz="1200" b="1" dirty="0">
                 <a:solidFill>
                   <a:schemeClr val="bg1"/>
                 </a:solidFill>
@@ -2122,7 +1999,7 @@
               <a:t>Business</a:t>
             </a:r>
             <a:r>
-              <a:rPr lang="en-US" sz="1200" dirty="0">
+              <a:rPr lang="pt-BR" sz="1200" dirty="0">
                 <a:solidFill>
                   <a:schemeClr val="bg1"/>
                 </a:solidFill>
@@ -2141,21 +2018,14 @@
               </a:spcBef>
             </a:pPr>
             <a:r>
-              <a:rPr lang="en-US" sz="1000" dirty="0">
+              <a:rPr lang="pt-BR" sz="950" dirty="0">
                 <a:solidFill>
                   <a:schemeClr val="bg1"/>
                 </a:solidFill>
                 <a:latin typeface="Adobe Clean SemiLight"/>
               </a:rPr>
-              <a:t>Adobe provides a comprehensive range of technical resources to help support your business included as part of your Adobe enterprise subscription. This is enhanced with the BUSINESS support plan. BUSINESS support includes priority routing  for support cases to ensure faster connection to more senior support resources on submitted cases. BUSINESS customers also benefit from access to our technical support teams for any product query via either the telephone or the support web portal, to help protect your business at the most critical times. BUSINESS customers will be able to leverage their Account Support Lead for support case escalation management to receive regular communications and updates for your most critical of support requests.</a:t>
+              <a:t>A Adobe oferece uma ampla variedade de recursos técnicos para ajudar a dar suporte à sua empresa, incluídos como parte de sua assinatura corporativa da Adobe. O suporte é aprimorado com o plano BUSINESS. O suporte BUSINESS inclui encaminhamento prioritário para casos de suporte para garantir uma conexão mais rápida com recursos de suporte mais especializado nos casos enviados. Os clientes BUSINESS também contam com acesso às nossas equipes de suporte técnico para qualquer consulta sobre o produto, por telefone ou no portal da web, com o fim de proteger sua empresa nos momentos mais críticos. Os clientes BUSINESS podem entrar em contato com o Líder de suporte de conta para gerenciar o encaminhamento de casos de suporte para receber comunicações e atualizações regulares para suas solicitações de suporte mais críticas.</a:t>
             </a:r>
-            <a:endParaRPr lang="en-US" sz="1000" dirty="0">
-              <a:solidFill>
-                <a:schemeClr val="bg1"/>
-              </a:solidFill>
-              <a:latin typeface="Adobe Clean SemiLight"/>
-              <a:cs typeface="AdobeClean-Light"/>
-            </a:endParaRPr>
           </a:p>
         </p:txBody>
       </p:sp>
@@ -2203,7 +2073,7 @@
           <p:nvPr>
             <p:extLst>
               <p:ext uri="{D42A27DB-BD31-4B8C-83A1-F6EECF244321}">
-                <p14:modId xmlns:p14="http://schemas.microsoft.com/office/powerpoint/2010/main" val="1922779486"/>
+                <p14:modId xmlns:p14="http://schemas.microsoft.com/office/powerpoint/2010/main" val="193609048"/>
               </p:ext>
             </p:extLst>
           </p:nvPr>
@@ -2219,28 +2089,28 @@
                 <a:tableStyleId>{2D5ABB26-0587-4C30-8999-92F81FD0307C}</a:tableStyleId>
               </a:tblPr>
               <a:tblGrid>
-                <a:gridCol w="1513599">
+                <a:gridCol w="1777457">
                   <a:extLst>
                     <a:ext uri="{9D8B030D-6E8A-4147-A177-3AD203B41FA5}">
                       <a16:colId xmlns:a16="http://schemas.microsoft.com/office/drawing/2014/main" val="1674920574"/>
                     </a:ext>
                   </a:extLst>
                 </a:gridCol>
-                <a:gridCol w="2251454">
+                <a:gridCol w="2667000">
                   <a:extLst>
                     <a:ext uri="{9D8B030D-6E8A-4147-A177-3AD203B41FA5}">
                       <a16:colId xmlns:a16="http://schemas.microsoft.com/office/drawing/2014/main" val="20001"/>
                     </a:ext>
                   </a:extLst>
                 </a:gridCol>
-                <a:gridCol w="1867662">
+                <a:gridCol w="1447800">
                   <a:extLst>
                     <a:ext uri="{9D8B030D-6E8A-4147-A177-3AD203B41FA5}">
                       <a16:colId xmlns:a16="http://schemas.microsoft.com/office/drawing/2014/main" val="2563521174"/>
                     </a:ext>
                   </a:extLst>
                 </a:gridCol>
-                <a:gridCol w="1867662">
+                <a:gridCol w="1608120">
                   <a:extLst>
                     <a:ext uri="{9D8B030D-6E8A-4147-A177-3AD203B41FA5}">
                       <a16:colId xmlns:a16="http://schemas.microsoft.com/office/drawing/2014/main" val="20003"/>
@@ -2292,39 +2162,15 @@
                         <a:defRPr/>
                       </a:pPr>
                       <a:r>
-                        <a:rPr lang="en-US" sz="1200" spc="-20" dirty="0">
+                        <a:rPr lang="pt-BR" sz="1200">
                           <a:solidFill>
                             <a:srgbClr val="404040"/>
                           </a:solidFill>
                           <a:latin typeface="Adobe Clean"/>
                           <a:cs typeface="Adobe Clean"/>
                         </a:rPr>
-                        <a:t>Standard </a:t>
+                        <a:t>Suporte Standard</a:t>
                       </a:r>
-                      <a:r>
-                        <a:rPr lang="en-US" sz="1200" spc="-135" dirty="0">
-                          <a:solidFill>
-                            <a:srgbClr val="404040"/>
-                          </a:solidFill>
-                          <a:latin typeface="Adobe Clean"/>
-                          <a:cs typeface="Adobe Clean"/>
-                        </a:rPr>
-                        <a:t> </a:t>
-                      </a:r>
-                      <a:r>
-                        <a:rPr lang="en-US" sz="1200" spc="-20" dirty="0">
-                          <a:solidFill>
-                            <a:srgbClr val="404040"/>
-                          </a:solidFill>
-                          <a:latin typeface="Adobe Clean"/>
-                          <a:cs typeface="Adobe Clean"/>
-                        </a:rPr>
-                        <a:t>Support</a:t>
-                      </a:r>
-                      <a:endParaRPr lang="en-US" sz="1200" dirty="0">
-                        <a:latin typeface="Adobe Clean"/>
-                        <a:cs typeface="Adobe Clean"/>
-                      </a:endParaRPr>
                     </a:p>
                   </a:txBody>
                   <a:tcPr marL="0" marR="0" marT="7620" marB="0" anchor="ctr">
@@ -2365,39 +2211,15 @@
                         </a:spcBef>
                       </a:pPr>
                       <a:r>
-                        <a:rPr sz="1200" spc="-20" dirty="0">
+                        <a:rPr lang="pt-BR" sz="1200">
                           <a:solidFill>
                             <a:srgbClr val="FFFFFF"/>
                           </a:solidFill>
                           <a:latin typeface="Adobe Clean"/>
                           <a:cs typeface="Adobe Clean"/>
                         </a:rPr>
-                        <a:t>Business</a:t>
+                        <a:t>Suporte Business</a:t>
                       </a:r>
-                      <a:r>
-                        <a:rPr lang="en-US" sz="1200" spc="-20" dirty="0">
-                          <a:solidFill>
-                            <a:srgbClr val="FFFFFF"/>
-                          </a:solidFill>
-                          <a:latin typeface="Adobe Clean"/>
-                          <a:cs typeface="Adobe Clean"/>
-                        </a:rPr>
-                        <a:t> </a:t>
-                      </a:r>
-                      <a:r>
-                        <a:rPr sz="1200" spc="-20" dirty="0">
-                          <a:solidFill>
-                            <a:srgbClr val="FFFFFF"/>
-                          </a:solidFill>
-                          <a:latin typeface="Adobe Clean"/>
-                          <a:cs typeface="Adobe Clean"/>
-                        </a:rPr>
-                        <a:t>Support</a:t>
-                      </a:r>
-                      <a:endParaRPr sz="1200" dirty="0">
-                        <a:latin typeface="Adobe Clean"/>
-                        <a:cs typeface="Adobe Clean"/>
-                      </a:endParaRPr>
                     </a:p>
                   </a:txBody>
                   <a:tcPr marL="0" marR="0" marT="7620" marB="0" anchor="ctr">
@@ -2462,7 +2284,7 @@
                     <a:bodyPr/>
                     <a:lstStyle/>
                     <a:p>
-                      <a:pPr marL="0" marR="0" lvl="0" indent="0" algn="ctr" defTabSz="914400" eaLnBrk="1" fontAlgn="auto" latinLnBrk="0" hangingPunct="1">
+                      <a:pPr marL="0" marR="0" lvl="0" indent="0" algn="l" defTabSz="914400" rtl="0" eaLnBrk="1" fontAlgn="auto" latinLnBrk="0" hangingPunct="1">
                         <a:lnSpc>
                           <a:spcPct val="100000"/>
                         </a:lnSpc>
@@ -2543,13 +2365,13 @@
                         <a:defRPr/>
                       </a:pPr>
                       <a:r>
-                        <a:rPr lang="en-US" sz="1200" b="1" i="1" dirty="0">
+                        <a:rPr lang="pt-BR" sz="1200" b="1" i="1">
                           <a:solidFill>
                             <a:schemeClr val="bg1"/>
                           </a:solidFill>
                           <a:latin typeface="Adobe Clean" panose="020B0503020404020204" pitchFamily="34" charset="0"/>
                         </a:rPr>
-                        <a:t>Paid Support ($)</a:t>
+                        <a:t>Suporte pago ($)</a:t>
                       </a:r>
                     </a:p>
                   </a:txBody>
@@ -2613,22 +2435,15 @@
                         </a:spcBef>
                       </a:pPr>
                       <a:r>
-                        <a:rPr lang="en-US" sz="1200" b="1" i="0" spc="0" dirty="0">
+                        <a:rPr lang="pt-BR" sz="1200" b="1" i="0">
                           <a:solidFill>
                             <a:schemeClr val="bg1"/>
                           </a:solidFill>
                           <a:latin typeface="Adobe Clean"/>
                           <a:cs typeface="AdobeClean-Light"/>
                         </a:rPr>
-                        <a:t>Assigned Experts</a:t>
+                        <a:t>Especialistas atribuídos</a:t>
                       </a:r>
-                      <a:endParaRPr sz="1200" b="1" i="0" spc="0" dirty="0">
-                        <a:solidFill>
-                          <a:schemeClr val="bg1"/>
-                        </a:solidFill>
-                        <a:latin typeface="Adobe Clean"/>
-                        <a:cs typeface="AdobeClean-Light"/>
-                      </a:endParaRPr>
                     </a:p>
                   </a:txBody>
                   <a:tcPr marL="0" marR="0" marT="58419" marB="0" anchor="ctr">
@@ -2675,19 +2490,15 @@
                         </a:spcBef>
                       </a:pPr>
                       <a:r>
-                        <a:rPr sz="1100" b="0" i="0" spc="0" dirty="0">
+                        <a:rPr lang="pt-BR" sz="1100" b="0" i="0">
                           <a:solidFill>
                             <a:srgbClr val="020302"/>
                           </a:solidFill>
                           <a:latin typeface="Adobe Clean Light" panose="020B0303020404020204" pitchFamily="34" charset="0"/>
                           <a:cs typeface="AdobeClean-Light"/>
                         </a:rPr>
-                        <a:t>Account Support Lead</a:t>
+                        <a:t>Líder de suporte da conta</a:t>
                       </a:r>
-                      <a:endParaRPr sz="1100" b="0" i="0" spc="0" dirty="0">
-                        <a:latin typeface="Adobe Clean Light" panose="020B0303020404020204" pitchFamily="34" charset="0"/>
-                        <a:cs typeface="AdobeClean-Light"/>
-                      </a:endParaRPr>
                     </a:p>
                   </a:txBody>
                   <a:tcPr marL="0" marR="0" marT="58419" marB="0">
@@ -2722,7 +2533,7 @@
                     <a:bodyPr/>
                     <a:lstStyle/>
                     <a:p>
-                      <a:pPr algn="ctr">
+                      <a:pPr algn="l" rtl="0">
                         <a:lnSpc>
                           <a:spcPct val="100000"/>
                         </a:lnSpc>
@@ -2772,7 +2583,7 @@
                         </a:spcBef>
                       </a:pPr>
                       <a:r>
-                        <a:rPr sz="1200" dirty="0">
+                        <a:rPr lang="pt-BR" sz="1200">
                           <a:solidFill>
                             <a:srgbClr val="020302"/>
                           </a:solidFill>
@@ -2781,10 +2592,6 @@
                         </a:rPr>
                         <a:t></a:t>
                       </a:r>
-                      <a:endParaRPr sz="1200" dirty="0">
-                        <a:latin typeface="Wingdings"/>
-                        <a:cs typeface="Wingdings"/>
-                      </a:endParaRPr>
                     </a:p>
                   </a:txBody>
                   <a:tcPr marL="0" marR="0" marT="59690" marB="0" anchor="ctr">
@@ -2816,7 +2623,7 @@
                     <a:bodyPr/>
                     <a:lstStyle/>
                     <a:p>
-                      <a:pPr marL="50800">
+                      <a:pPr marL="50800" algn="l" rtl="0">
                         <a:lnSpc>
                           <a:spcPct val="100000"/>
                         </a:lnSpc>
@@ -2846,19 +2653,15 @@
                         </a:spcBef>
                       </a:pPr>
                       <a:r>
-                        <a:rPr sz="1100" b="0" i="0" spc="0" dirty="0">
+                        <a:rPr lang="pt-BR" sz="1100" b="0" i="0">
                           <a:solidFill>
                             <a:srgbClr val="020302"/>
                           </a:solidFill>
                           <a:latin typeface="Adobe Clean Light" panose="020B0303020404020204" pitchFamily="34" charset="0"/>
                           <a:cs typeface="AdobeClean-Light"/>
                         </a:rPr>
-                        <a:t>Named Support Engineer</a:t>
+                        <a:t>Engenheiro de suporte nomeado</a:t>
                       </a:r>
-                      <a:endParaRPr sz="1100" b="0" i="0" spc="0" dirty="0">
-                        <a:latin typeface="Adobe Clean Light" panose="020B0303020404020204" pitchFamily="34" charset="0"/>
-                        <a:cs typeface="AdobeClean-Light"/>
-                      </a:endParaRPr>
                     </a:p>
                   </a:txBody>
                   <a:tcPr marL="0" marR="0" marT="58419" marB="0">
@@ -2887,7 +2690,7 @@
                     <a:bodyPr/>
                     <a:lstStyle/>
                     <a:p>
-                      <a:pPr algn="ctr">
+                      <a:pPr algn="l" rtl="0">
                         <a:lnSpc>
                           <a:spcPct val="100000"/>
                         </a:lnSpc>
@@ -2919,7 +2722,7 @@
                     <a:bodyPr/>
                     <a:lstStyle/>
                     <a:p>
-                      <a:pPr algn="ctr">
+                      <a:pPr algn="l" rtl="0">
                         <a:lnSpc>
                           <a:spcPct val="100000"/>
                         </a:lnSpc>
@@ -2953,7 +2756,7 @@
                     <a:bodyPr/>
                     <a:lstStyle/>
                     <a:p>
-                      <a:pPr marL="50800">
+                      <a:pPr marL="50800" algn="l" rtl="0">
                         <a:lnSpc>
                           <a:spcPct val="100000"/>
                         </a:lnSpc>
@@ -2983,19 +2786,15 @@
                         </a:spcBef>
                       </a:pPr>
                       <a:r>
-                        <a:rPr sz="1100" b="0" i="0" spc="0" dirty="0">
+                        <a:rPr lang="pt-BR" sz="1100" b="0" i="0">
                           <a:solidFill>
                             <a:srgbClr val="020302"/>
                           </a:solidFill>
                           <a:latin typeface="Adobe Clean Light" panose="020B0303020404020204" pitchFamily="34" charset="0"/>
                           <a:cs typeface="AdobeClean-Light"/>
                         </a:rPr>
-                        <a:t>Technical Account Manager</a:t>
+                        <a:t>Gerente técnico de conta</a:t>
                       </a:r>
-                      <a:endParaRPr sz="1100" b="0" i="0" spc="0" dirty="0">
-                        <a:latin typeface="Adobe Clean Light" panose="020B0303020404020204" pitchFamily="34" charset="0"/>
-                        <a:cs typeface="AdobeClean-Light"/>
-                      </a:endParaRPr>
                     </a:p>
                   </a:txBody>
                   <a:tcPr marL="0" marR="0" marT="63500" marB="0">
@@ -3033,7 +2832,7 @@
                     <a:bodyPr/>
                     <a:lstStyle/>
                     <a:p>
-                      <a:pPr algn="ctr">
+                      <a:pPr algn="l" rtl="0">
                         <a:lnSpc>
                           <a:spcPct val="100000"/>
                         </a:lnSpc>
@@ -3074,7 +2873,7 @@
                     <a:bodyPr/>
                     <a:lstStyle/>
                     <a:p>
-                      <a:pPr algn="ctr">
+                      <a:pPr algn="l" rtl="0">
                         <a:lnSpc>
                           <a:spcPct val="100000"/>
                         </a:lnSpc>
@@ -3126,22 +2925,15 @@
                         </a:spcBef>
                       </a:pPr>
                       <a:r>
-                        <a:rPr lang="en-US" sz="1200" b="1" i="0" spc="0" dirty="0">
+                        <a:rPr lang="pt-BR" sz="1200" b="1" i="0">
                           <a:solidFill>
                             <a:schemeClr val="bg1"/>
                           </a:solidFill>
                           <a:latin typeface="Adobe Clean" panose="020B0503020404020204" pitchFamily="34" charset="0"/>
                           <a:cs typeface="AdobeClean-Light"/>
                         </a:rPr>
-                        <a:t>Support Services</a:t>
+                        <a:t>Serviços de suporte</a:t>
                       </a:r>
-                      <a:endParaRPr sz="1200" b="1" i="0" spc="0" dirty="0">
-                        <a:solidFill>
-                          <a:schemeClr val="bg1"/>
-                        </a:solidFill>
-                        <a:latin typeface="Adobe Clean" panose="020B0503020404020204" pitchFamily="34" charset="0"/>
-                        <a:cs typeface="AdobeClean-Light"/>
-                      </a:endParaRPr>
                     </a:p>
                   </a:txBody>
                   <a:tcPr marL="0" marR="0" marT="57150" marB="0" anchor="ctr">
@@ -3191,19 +2983,15 @@
                         </a:spcBef>
                       </a:pPr>
                       <a:r>
-                        <a:rPr lang="en-US" sz="1100" b="0" i="0" spc="0" dirty="0">
+                        <a:rPr lang="pt-BR" sz="1100" b="0" i="0">
                           <a:solidFill>
                             <a:srgbClr val="020302"/>
                           </a:solidFill>
                           <a:latin typeface="Adobe Clean Light" panose="020B0303020404020204" pitchFamily="34" charset="0"/>
                           <a:cs typeface="AdobeClean-Light"/>
                         </a:rPr>
-                        <a:t>24x7 Self-Help Support </a:t>
+                        <a:t>Suporte de autoatendimento 24x7 </a:t>
                       </a:r>
-                      <a:endParaRPr lang="en-US" sz="1100" b="0" i="0" spc="0" dirty="0">
-                        <a:latin typeface="Adobe Clean Light" panose="020B0303020404020204" pitchFamily="34" charset="0"/>
-                        <a:cs typeface="AdobeClean-Light"/>
-                      </a:endParaRPr>
                     </a:p>
                   </a:txBody>
                   <a:tcPr marL="0" marR="0" marT="57150" marB="0">
@@ -3247,7 +3035,7 @@
                         </a:spcBef>
                       </a:pPr>
                       <a:r>
-                        <a:rPr sz="1200" dirty="0">
+                        <a:rPr lang="pt-BR" sz="1200">
                           <a:solidFill>
                             <a:srgbClr val="020302"/>
                           </a:solidFill>
@@ -3256,10 +3044,6 @@
                         </a:rPr>
                         <a:t></a:t>
                       </a:r>
-                      <a:endParaRPr sz="1200" dirty="0">
-                        <a:latin typeface="Wingdings"/>
-                        <a:cs typeface="Wingdings"/>
-                      </a:endParaRPr>
                     </a:p>
                   </a:txBody>
                   <a:tcPr marL="0" marR="0" marT="58419" marB="0">
@@ -3298,7 +3082,7 @@
                         </a:spcBef>
                       </a:pPr>
                       <a:r>
-                        <a:rPr sz="1200" dirty="0">
+                        <a:rPr lang="pt-BR" sz="1200">
                           <a:solidFill>
                             <a:srgbClr val="020302"/>
                           </a:solidFill>
@@ -3307,10 +3091,6 @@
                         </a:rPr>
                         <a:t></a:t>
                       </a:r>
-                      <a:endParaRPr sz="1200" dirty="0">
-                        <a:latin typeface="Wingdings"/>
-                        <a:cs typeface="Wingdings"/>
-                      </a:endParaRPr>
                     </a:p>
                   </a:txBody>
                   <a:tcPr marL="0" marR="0" marT="58419" marB="0">
@@ -3342,7 +3122,7 @@
                     <a:bodyPr/>
                     <a:lstStyle/>
                     <a:p>
-                      <a:pPr marL="50800">
+                      <a:pPr marL="50800" algn="l" rtl="0">
                         <a:lnSpc>
                           <a:spcPct val="100000"/>
                         </a:lnSpc>
@@ -3400,19 +3180,15 @@
                         </a:spcBef>
                       </a:pPr>
                       <a:r>
-                        <a:rPr lang="en-US" sz="1100" b="0" i="0" spc="0" dirty="0">
+                        <a:rPr lang="pt-BR" sz="1100" b="0" i="0">
                           <a:solidFill>
                             <a:srgbClr val="020302"/>
                           </a:solidFill>
                           <a:latin typeface="Adobe Clean Light" panose="020B0303020404020204" pitchFamily="34" charset="0"/>
                           <a:cs typeface="AdobeClean-Light"/>
                         </a:rPr>
-                        <a:t>24x7 Support via Chat / Phone</a:t>
+                        <a:t>Suporte telefônico/via chat 24x7</a:t>
                       </a:r>
-                      <a:endParaRPr sz="1100" b="0" i="0" spc="0" dirty="0">
-                        <a:latin typeface="Adobe Clean Light" panose="020B0303020404020204" pitchFamily="34" charset="0"/>
-                        <a:cs typeface="AdobeClean-Light"/>
-                      </a:endParaRPr>
                     </a:p>
                   </a:txBody>
                   <a:tcPr marL="0" marR="0" marT="57785" marB="0">
@@ -3454,7 +3230,7 @@
                         </a:spcBef>
                       </a:pPr>
                       <a:r>
-                        <a:rPr lang="en-US" sz="1200" dirty="0">
+                        <a:rPr lang="pt-BR" sz="1200">
                           <a:solidFill>
                             <a:srgbClr val="020302"/>
                           </a:solidFill>
@@ -3463,10 +3239,6 @@
                         </a:rPr>
                         <a:t></a:t>
                       </a:r>
-                      <a:endParaRPr lang="en-US" sz="1200" dirty="0">
-                        <a:latin typeface="Wingdings"/>
-                        <a:cs typeface="Wingdings"/>
-                      </a:endParaRPr>
                     </a:p>
                   </a:txBody>
                   <a:tcPr marL="0" marR="0" marT="58419" marB="0">
@@ -3503,7 +3275,7 @@
                         </a:spcBef>
                       </a:pPr>
                       <a:r>
-                        <a:rPr sz="1200" dirty="0">
+                        <a:rPr lang="pt-BR" sz="1200" dirty="0">
                           <a:solidFill>
                             <a:srgbClr val="020302"/>
                           </a:solidFill>
@@ -3512,10 +3284,6 @@
                         </a:rPr>
                         <a:t></a:t>
                       </a:r>
-                      <a:endParaRPr sz="1200" dirty="0">
-                        <a:latin typeface="Wingdings"/>
-                        <a:cs typeface="Wingdings"/>
-                      </a:endParaRPr>
                     </a:p>
                   </a:txBody>
                   <a:tcPr marL="0" marR="0" marT="58419" marB="0">
@@ -3547,7 +3315,7 @@
                     <a:bodyPr/>
                     <a:lstStyle/>
                     <a:p>
-                      <a:pPr marL="50800">
+                      <a:pPr marL="50800" algn="l" rtl="0">
                         <a:lnSpc>
                           <a:spcPct val="100000"/>
                         </a:lnSpc>
@@ -3614,16 +3382,12 @@
                         </a:spcBef>
                       </a:pPr>
                       <a:r>
-                        <a:rPr lang="en-US" sz="1100" b="0" i="0" spc="0" dirty="0">
+                        <a:rPr lang="pt-BR" sz="1100" b="0" i="0">
                           <a:latin typeface="Adobe Clean Light" panose="020B0303020404020204" pitchFamily="34" charset="0"/>
                           <a:cs typeface="AdobeClean-Light"/>
                         </a:rPr>
-                        <a:t>Web Case Submissions </a:t>
+                        <a:t>Envio de caso pela Web </a:t>
                       </a:r>
-                      <a:endParaRPr sz="1100" b="0" i="0" spc="0" dirty="0">
-                        <a:latin typeface="Adobe Clean Light" panose="020B0303020404020204" pitchFamily="34" charset="0"/>
-                        <a:cs typeface="AdobeClean-Light"/>
-                      </a:endParaRPr>
                     </a:p>
                   </a:txBody>
                   <a:tcPr marL="0" marR="0" marT="57785" marB="0">
@@ -3665,7 +3429,7 @@
                         </a:spcBef>
                       </a:pPr>
                       <a:r>
-                        <a:rPr sz="1200" dirty="0">
+                        <a:rPr lang="pt-BR" sz="1200">
                           <a:solidFill>
                             <a:srgbClr val="020302"/>
                           </a:solidFill>
@@ -3674,10 +3438,6 @@
                         </a:rPr>
                         <a:t></a:t>
                       </a:r>
-                      <a:endParaRPr sz="1200" dirty="0">
-                        <a:latin typeface="Wingdings"/>
-                        <a:cs typeface="Wingdings"/>
-                      </a:endParaRPr>
                     </a:p>
                   </a:txBody>
                   <a:tcPr marL="0" marR="0" marT="58419" marB="0">
@@ -3714,7 +3474,7 @@
                         </a:spcBef>
                       </a:pPr>
                       <a:r>
-                        <a:rPr lang="en-US" sz="1200" dirty="0">
+                        <a:rPr lang="pt-BR" sz="1200">
                           <a:solidFill>
                             <a:srgbClr val="020302"/>
                           </a:solidFill>
@@ -3723,10 +3483,6 @@
                         </a:rPr>
                         <a:t></a:t>
                       </a:r>
-                      <a:endParaRPr lang="en-US" sz="1200" dirty="0">
-                        <a:latin typeface="Wingdings"/>
-                        <a:cs typeface="Wingdings"/>
-                      </a:endParaRPr>
                     </a:p>
                   </a:txBody>
                   <a:tcPr marL="0" marR="0" marT="58419" marB="0">
@@ -3758,7 +3514,7 @@
                     <a:bodyPr/>
                     <a:lstStyle/>
                     <a:p>
-                      <a:pPr marL="50800">
+                      <a:pPr marL="50800" algn="l" rtl="0">
                         <a:lnSpc>
                           <a:spcPct val="100000"/>
                         </a:lnSpc>
@@ -3807,19 +3563,15 @@
                         </a:spcBef>
                       </a:pPr>
                       <a:r>
-                        <a:rPr lang="en-US" sz="1100" b="0" i="0" spc="0" dirty="0">
+                        <a:rPr lang="pt-BR" sz="1100" b="0" i="0">
                           <a:solidFill>
                             <a:srgbClr val="020302"/>
                           </a:solidFill>
                           <a:latin typeface="Adobe Clean Light" panose="020B0303020404020204" pitchFamily="34" charset="0"/>
                           <a:cs typeface="AdobeClean-Light"/>
                         </a:rPr>
-                        <a:t>Priority Case Routing</a:t>
+                        <a:t>Encaminhamento de caso prioritário</a:t>
                       </a:r>
-                      <a:endParaRPr sz="1100" b="0" i="0" spc="0" dirty="0">
-                        <a:latin typeface="Adobe Clean Light" panose="020B0303020404020204" pitchFamily="34" charset="0"/>
-                        <a:cs typeface="AdobeClean-Light"/>
-                      </a:endParaRPr>
                     </a:p>
                   </a:txBody>
                   <a:tcPr marL="0" marR="0" marT="58419" marB="0">
@@ -3842,7 +3594,7 @@
                     <a:bodyPr/>
                     <a:lstStyle/>
                     <a:p>
-                      <a:pPr algn="ctr">
+                      <a:pPr algn="l" rtl="0">
                         <a:lnSpc>
                           <a:spcPct val="100000"/>
                         </a:lnSpc>
@@ -3892,7 +3644,7 @@
                         <a:defRPr/>
                       </a:pPr>
                       <a:r>
-                        <a:rPr lang="en-US" sz="1200" dirty="0">
+                        <a:rPr lang="pt-BR" sz="1200">
                           <a:solidFill>
                             <a:srgbClr val="020302"/>
                           </a:solidFill>
@@ -3901,10 +3653,6 @@
                         </a:rPr>
                         <a:t></a:t>
                       </a:r>
-                      <a:endParaRPr lang="en-US" sz="1200" dirty="0">
-                        <a:latin typeface="Wingdings"/>
-                        <a:cs typeface="Wingdings"/>
-                      </a:endParaRPr>
                     </a:p>
                   </a:txBody>
                   <a:tcPr marL="0" marR="0" marT="59054" marB="0">
@@ -3927,7 +3675,7 @@
                     <a:bodyPr/>
                     <a:lstStyle/>
                     <a:p>
-                      <a:pPr marL="50800">
+                      <a:pPr marL="50800" algn="l" rtl="0">
                         <a:lnSpc>
                           <a:spcPct val="100000"/>
                         </a:lnSpc>
@@ -3994,11 +3742,11 @@
                         <a:defRPr/>
                       </a:pPr>
                       <a:r>
-                        <a:rPr lang="en-US" sz="1100" b="0" i="0" spc="0" dirty="0">
+                        <a:rPr lang="pt-BR" sz="1100" b="0" i="0">
                           <a:latin typeface="Adobe Clean Light" panose="020B0303020404020204" pitchFamily="34" charset="0"/>
                           <a:cs typeface="AdobeClean-Light"/>
                         </a:rPr>
-                        <a:t>Accelerated Issue Prioritization</a:t>
+                        <a:t>Priorização acelerada de problemas</a:t>
                       </a:r>
                     </a:p>
                   </a:txBody>
@@ -4028,7 +3776,7 @@
                     <a:bodyPr/>
                     <a:lstStyle/>
                     <a:p>
-                      <a:pPr algn="ctr">
+                      <a:pPr algn="l" rtl="0">
                         <a:lnSpc>
                           <a:spcPct val="100000"/>
                         </a:lnSpc>
@@ -4069,7 +3817,7 @@
                         </a:spcBef>
                       </a:pPr>
                       <a:r>
-                        <a:rPr lang="en-US" sz="1200" dirty="0">
+                        <a:rPr lang="pt-BR" sz="1200">
                           <a:solidFill>
                             <a:srgbClr val="020302"/>
                           </a:solidFill>
@@ -4078,10 +3826,6 @@
                         </a:rPr>
                         <a:t></a:t>
                       </a:r>
-                      <a:endParaRPr lang="en-US" sz="1200" dirty="0">
-                        <a:latin typeface="Wingdings"/>
-                        <a:cs typeface="Wingdings"/>
-                      </a:endParaRPr>
                     </a:p>
                   </a:txBody>
                   <a:tcPr marL="0" marR="0" marT="58419" marB="0">
@@ -4142,16 +3886,12 @@
                         </a:spcBef>
                       </a:pPr>
                       <a:r>
-                        <a:rPr lang="en-US" sz="1100" b="0" i="0" spc="0" dirty="0">
+                        <a:rPr lang="pt-BR" sz="1100" b="0" i="0">
                           <a:latin typeface="Adobe Clean Light" panose="020B0303020404020204" pitchFamily="34" charset="0"/>
                           <a:cs typeface="AdobeClean-Light"/>
                         </a:rPr>
-                        <a:t>Escalation Management</a:t>
+                        <a:t>Gestão de encaminhamento</a:t>
                       </a:r>
-                      <a:endParaRPr sz="1100" b="0" i="0" spc="0" dirty="0">
-                        <a:latin typeface="Adobe Clean Light" panose="020B0303020404020204" pitchFamily="34" charset="0"/>
-                        <a:cs typeface="AdobeClean-Light"/>
-                      </a:endParaRPr>
                     </a:p>
                   </a:txBody>
                   <a:tcPr marL="0" marR="0" marT="57150" marB="0">
@@ -4174,7 +3914,7 @@
                     <a:bodyPr/>
                     <a:lstStyle/>
                     <a:p>
-                      <a:pPr algn="ctr">
+                      <a:pPr algn="l" rtl="0">
                         <a:lnSpc>
                           <a:spcPct val="100000"/>
                         </a:lnSpc>
@@ -4224,7 +3964,7 @@
                         <a:defRPr/>
                       </a:pPr>
                       <a:r>
-                        <a:rPr lang="en-US" sz="1200" dirty="0">
+                        <a:rPr lang="pt-BR" sz="1200">
                           <a:solidFill>
                             <a:srgbClr val="020302"/>
                           </a:solidFill>
@@ -4233,10 +3973,6 @@
                         </a:rPr>
                         <a:t></a:t>
                       </a:r>
-                      <a:endParaRPr lang="en-US" sz="1200" dirty="0">
-                        <a:latin typeface="Wingdings"/>
-                        <a:cs typeface="Wingdings"/>
-                      </a:endParaRPr>
                     </a:p>
                   </a:txBody>
                   <a:tcPr marL="0" marR="0" marT="59054" marB="0">
@@ -4297,16 +4033,12 @@
                         </a:spcBef>
                       </a:pPr>
                       <a:r>
-                        <a:rPr lang="en-US" sz="1100" b="0" i="0" spc="0" dirty="0">
+                        <a:rPr lang="pt-BR" sz="1100" b="0" i="0">
                           <a:latin typeface="Adobe Clean Light" panose="020B0303020404020204" pitchFamily="34" charset="0"/>
                           <a:cs typeface="AdobeClean-Light"/>
                         </a:rPr>
-                        <a:t>Proactive Case Monitoring</a:t>
+                        <a:t>Monitoramento de casos proativo</a:t>
                       </a:r>
-                      <a:endParaRPr sz="1100" b="0" i="0" spc="0" dirty="0">
-                        <a:latin typeface="Adobe Clean Light" panose="020B0303020404020204" pitchFamily="34" charset="0"/>
-                        <a:cs typeface="AdobeClean-Light"/>
-                      </a:endParaRPr>
                     </a:p>
                   </a:txBody>
                   <a:tcPr marL="0" marR="0" marT="57150" marB="0">
@@ -4329,7 +4061,7 @@
                     <a:bodyPr/>
                     <a:lstStyle/>
                     <a:p>
-                      <a:pPr algn="ctr">
+                      <a:pPr algn="l" rtl="0">
                         <a:lnSpc>
                           <a:spcPct val="100000"/>
                         </a:lnSpc>
@@ -4361,7 +4093,7 @@
                     <a:bodyPr/>
                     <a:lstStyle/>
                     <a:p>
-                      <a:pPr algn="ctr">
+                      <a:pPr algn="l" rtl="0">
                         <a:lnSpc>
                           <a:spcPct val="100000"/>
                         </a:lnSpc>
@@ -4395,7 +4127,7 @@
                     <a:bodyPr/>
                     <a:lstStyle/>
                     <a:p>
-                      <a:pPr marL="48895">
+                      <a:pPr marL="48895" algn="l" rtl="0">
                         <a:lnSpc>
                           <a:spcPct val="100000"/>
                         </a:lnSpc>
@@ -4445,15 +4177,14 @@
                         <a:buNone/>
                       </a:pPr>
                       <a:r>
-                        <a:rPr lang="en-US" sz="1100" b="0" i="0" u="none" strike="noStrike" spc="0" noProof="0" dirty="0">
+                        <a:rPr lang="pt-BR" sz="1100" b="0" i="0" u="none" strike="noStrike" noProof="0">
                           <a:solidFill>
                             <a:srgbClr val="020302"/>
                           </a:solidFill>
                           <a:latin typeface="Adobe Clean Light"/>
                         </a:rPr>
-                        <a:t>In-Region Support Option</a:t>
+                        <a:t>Opção de suporte na região</a:t>
                       </a:r>
-                      <a:endParaRPr dirty="0"/>
                     </a:p>
                   </a:txBody>
                   <a:tcPr marL="0" marR="0" marT="58419" marB="0">
@@ -4476,7 +4207,7 @@
                     <a:bodyPr/>
                     <a:lstStyle/>
                     <a:p>
-                      <a:pPr>
+                      <a:pPr algn="l" rtl="0">
                         <a:lnSpc>
                           <a:spcPct val="100000"/>
                         </a:lnSpc>
@@ -4505,7 +4236,7 @@
                     <a:bodyPr/>
                     <a:lstStyle/>
                     <a:p>
-                      <a:pPr marL="0" marR="0" lvl="0" indent="0" algn="ctr" defTabSz="914400" eaLnBrk="1" fontAlgn="auto" latinLnBrk="0" hangingPunct="1">
+                      <a:pPr marL="0" marR="0" lvl="0" indent="0" algn="l" defTabSz="914400" rtl="0" eaLnBrk="1" fontAlgn="auto" latinLnBrk="0" hangingPunct="1">
                         <a:lnSpc>
                           <a:spcPct val="100000"/>
                         </a:lnSpc>
@@ -4548,7 +4279,7 @@
                     <a:bodyPr/>
                     <a:lstStyle/>
                     <a:p>
-                      <a:pPr marL="48895">
+                      <a:pPr marL="48895" algn="l" rtl="0">
                         <a:lnSpc>
                           <a:spcPct val="100000"/>
                         </a:lnSpc>
@@ -4578,19 +4309,15 @@
                         </a:spcBef>
                       </a:pPr>
                       <a:r>
-                        <a:rPr lang="en-US" sz="1100" b="0" i="0" spc="0" dirty="0">
+                        <a:rPr lang="pt-BR" sz="1100" b="0" i="0">
                           <a:solidFill>
                             <a:srgbClr val="020302"/>
                           </a:solidFill>
                           <a:latin typeface="Adobe Clean Light" panose="020B0303020404020204" pitchFamily="34" charset="0"/>
                           <a:cs typeface="AdobeClean-Light"/>
                         </a:rPr>
-                        <a:t>Service Reviews</a:t>
+                        <a:t>Revisões de serviço</a:t>
                       </a:r>
-                      <a:endParaRPr sz="1100" b="0" i="0" spc="0" dirty="0">
-                        <a:latin typeface="Adobe Clean Light" panose="020B0303020404020204" pitchFamily="34" charset="0"/>
-                        <a:cs typeface="AdobeClean-Light"/>
-                      </a:endParaRPr>
                     </a:p>
                   </a:txBody>
                   <a:tcPr marL="0" marR="0" marT="59055" marB="0">
@@ -4619,7 +4346,7 @@
                     <a:bodyPr/>
                     <a:lstStyle/>
                     <a:p>
-                      <a:pPr>
+                      <a:pPr algn="l" rtl="0">
                         <a:lnSpc>
                           <a:spcPct val="100000"/>
                         </a:lnSpc>
@@ -4648,7 +4375,7 @@
                     <a:bodyPr/>
                     <a:lstStyle/>
                     <a:p>
-                      <a:pPr>
+                      <a:pPr algn="l" rtl="0">
                         <a:lnSpc>
                           <a:spcPct val="100000"/>
                         </a:lnSpc>
@@ -4679,7 +4406,7 @@
                     <a:bodyPr/>
                     <a:lstStyle/>
                     <a:p>
-                      <a:pPr marL="49530">
+                      <a:pPr marL="49530" algn="l" rtl="0">
                         <a:lnSpc>
                           <a:spcPct val="100000"/>
                         </a:lnSpc>
@@ -4709,16 +4436,12 @@
                         </a:spcBef>
                       </a:pPr>
                       <a:r>
-                        <a:rPr lang="en-US" sz="1100" b="0" i="0" spc="0" dirty="0">
+                        <a:rPr lang="pt-BR" sz="1100" b="0" i="0">
                           <a:latin typeface="Adobe Clean Light" panose="020B0303020404020204" pitchFamily="34" charset="0"/>
                           <a:cs typeface="AdobeClean-Light"/>
                         </a:rPr>
-                        <a:t>Case Reviews</a:t>
+                        <a:t>Revisões de caso</a:t>
                       </a:r>
-                      <a:endParaRPr sz="1100" b="0" i="0" spc="0" dirty="0">
-                        <a:latin typeface="Adobe Clean Light" panose="020B0303020404020204" pitchFamily="34" charset="0"/>
-                        <a:cs typeface="AdobeClean-Light"/>
-                      </a:endParaRPr>
                     </a:p>
                   </a:txBody>
                   <a:tcPr marL="0" marR="0" marT="63500" marB="0">
@@ -4747,7 +4470,7 @@
                     <a:bodyPr/>
                     <a:lstStyle/>
                     <a:p>
-                      <a:pPr>
+                      <a:pPr algn="l" rtl="0">
                         <a:lnSpc>
                           <a:spcPct val="100000"/>
                         </a:lnSpc>
@@ -4776,7 +4499,7 @@
                     <a:bodyPr/>
                     <a:lstStyle/>
                     <a:p>
-                      <a:pPr>
+                      <a:pPr algn="l" rtl="0">
                         <a:lnSpc>
                           <a:spcPct val="100000"/>
                         </a:lnSpc>
@@ -4863,11 +4586,11 @@
                         <a:defRPr/>
                       </a:pPr>
                       <a:r>
-                        <a:rPr lang="en-US" sz="1100" b="0" i="0" spc="0" dirty="0">
+                        <a:rPr lang="pt-BR" sz="1100" b="0" i="0">
                           <a:latin typeface="Adobe Clean Light" panose="020B0303020404020204" pitchFamily="34" charset="0"/>
                           <a:cs typeface="AdobeClean-Light"/>
                         </a:rPr>
-                        <a:t>Solution Review</a:t>
+                        <a:t>Revisão da solução</a:t>
                       </a:r>
                     </a:p>
                   </a:txBody>
@@ -4897,7 +4620,7 @@
                     <a:bodyPr/>
                     <a:lstStyle/>
                     <a:p>
-                      <a:pPr>
+                      <a:pPr algn="l" rtl="0">
                         <a:lnSpc>
                           <a:spcPct val="100000"/>
                         </a:lnSpc>
@@ -4926,7 +4649,7 @@
                     <a:bodyPr/>
                     <a:lstStyle/>
                     <a:p>
-                      <a:pPr>
+                      <a:pPr algn="l" rtl="0">
                         <a:lnSpc>
                           <a:spcPct val="100000"/>
                         </a:lnSpc>
@@ -5004,11 +4727,11 @@
                         <a:defRPr/>
                       </a:pPr>
                       <a:r>
-                        <a:rPr lang="en-US" sz="1100" b="0" i="0" spc="0" dirty="0">
+                        <a:rPr lang="pt-BR" sz="1100" b="0" i="0">
                           <a:latin typeface="Adobe Clean Light" panose="020B0303020404020204" pitchFamily="34" charset="0"/>
                           <a:cs typeface="AdobeClean-Light"/>
                         </a:rPr>
-                        <a:t>Roadmap Review </a:t>
+                        <a:t>Revisão do roteiro </a:t>
                       </a:r>
                     </a:p>
                   </a:txBody>
@@ -5032,7 +4755,7 @@
                     <a:bodyPr/>
                     <a:lstStyle/>
                     <a:p>
-                      <a:pPr>
+                      <a:pPr algn="l" rtl="0">
                         <a:lnSpc>
                           <a:spcPct val="100000"/>
                         </a:lnSpc>
@@ -5061,7 +4784,7 @@
                     <a:bodyPr/>
                     <a:lstStyle/>
                     <a:p>
-                      <a:pPr>
+                      <a:pPr algn="l" rtl="0">
                         <a:lnSpc>
                           <a:spcPct val="100000"/>
                         </a:lnSpc>
@@ -5139,19 +4862,15 @@
                         <a:defRPr/>
                       </a:pPr>
                       <a:r>
-                        <a:rPr lang="en-US" sz="1100" b="0" i="0" spc="0" dirty="0">
+                        <a:rPr lang="pt-BR" sz="1100" b="0" i="0">
                           <a:solidFill>
                             <a:srgbClr val="020302"/>
                           </a:solidFill>
                           <a:latin typeface="Adobe Clean Light" panose="020B0303020404020204" pitchFamily="34" charset="0"/>
                           <a:cs typeface="AdobeClean-Light"/>
                         </a:rPr>
-                        <a:t>Additional Named Support Contacts </a:t>
+                        <a:t>Contatos de suporte designados adicionais </a:t>
                       </a:r>
-                      <a:endParaRPr lang="en-US" sz="1100" b="0" i="0" spc="0" dirty="0">
-                        <a:latin typeface="Adobe Clean Light" panose="020B0303020404020204" pitchFamily="34" charset="0"/>
-                        <a:cs typeface="AdobeClean-Light"/>
-                      </a:endParaRPr>
                     </a:p>
                   </a:txBody>
                   <a:tcPr marL="0" marR="0" marT="63500" marB="0">
@@ -5174,7 +4893,7 @@
                     <a:bodyPr/>
                     <a:lstStyle/>
                     <a:p>
-                      <a:pPr>
+                      <a:pPr algn="l" rtl="0">
                         <a:lnSpc>
                           <a:spcPct val="100000"/>
                         </a:lnSpc>
@@ -5203,7 +4922,7 @@
                     <a:bodyPr/>
                     <a:lstStyle/>
                     <a:p>
-                      <a:pPr>
+                      <a:pPr algn="l" rtl="0">
                         <a:lnSpc>
                           <a:spcPct val="100000"/>
                         </a:lnSpc>
@@ -5281,16 +5000,12 @@
                         </a:spcBef>
                       </a:pPr>
                       <a:r>
-                        <a:rPr lang="en-US" sz="1100" b="0" i="0" spc="0" dirty="0">
+                        <a:rPr lang="pt-BR" sz="1100" b="0" i="0">
                           <a:latin typeface="Adobe Clean Light" panose="020B0303020404020204" pitchFamily="34" charset="0"/>
                           <a:cs typeface="AdobeClean-Light"/>
                         </a:rPr>
-                        <a:t>Upgrade/Migration Planning</a:t>
+                        <a:t>Planejamento de atualização/migração</a:t>
                       </a:r>
-                      <a:endParaRPr sz="1100" b="0" i="0" spc="0" dirty="0">
-                        <a:latin typeface="Adobe Clean Light" panose="020B0303020404020204" pitchFamily="34" charset="0"/>
-                        <a:cs typeface="AdobeClean-Light"/>
-                      </a:endParaRPr>
                     </a:p>
                   </a:txBody>
                   <a:tcPr marL="0" marR="0" marT="63500" marB="0">
@@ -5322,7 +5037,7 @@
                     <a:bodyPr/>
                     <a:lstStyle/>
                     <a:p>
-                      <a:pPr>
+                      <a:pPr algn="l" rtl="0">
                         <a:lnSpc>
                           <a:spcPct val="100000"/>
                         </a:lnSpc>
@@ -5360,7 +5075,7 @@
                     <a:bodyPr/>
                     <a:lstStyle/>
                     <a:p>
-                      <a:pPr>
+                      <a:pPr algn="l" rtl="0">
                         <a:lnSpc>
                           <a:spcPct val="100000"/>
                         </a:lnSpc>
@@ -5419,16 +5134,12 @@
                         </a:spcBef>
                       </a:pPr>
                       <a:r>
-                        <a:rPr lang="en-US" sz="1100" b="0" i="0" spc="0" dirty="0">
+                        <a:rPr lang="pt-BR" sz="1100" b="0" i="0">
                           <a:latin typeface="Adobe Clean Light" panose="020B0303020404020204" pitchFamily="34" charset="0"/>
                           <a:cs typeface="AdobeClean-Light"/>
                         </a:rPr>
-                        <a:t>Release Preparation and Planning</a:t>
+                        <a:t>Preparo e planejamento de lançamento</a:t>
                       </a:r>
-                      <a:endParaRPr sz="1100" b="0" i="0" spc="0" dirty="0">
-                        <a:latin typeface="Adobe Clean Light" panose="020B0303020404020204" pitchFamily="34" charset="0"/>
-                        <a:cs typeface="AdobeClean-Light"/>
-                      </a:endParaRPr>
                     </a:p>
                   </a:txBody>
                   <a:tcPr marL="0" marR="0" marT="63500" marB="0">
@@ -5475,7 +5186,7 @@
                     <a:bodyPr/>
                     <a:lstStyle/>
                     <a:p>
-                      <a:pPr>
+                      <a:pPr algn="l" rtl="0">
                         <a:lnSpc>
                           <a:spcPct val="100000"/>
                         </a:lnSpc>
@@ -5522,7 +5233,7 @@
                     <a:bodyPr/>
                     <a:lstStyle/>
                     <a:p>
-                      <a:pPr>
+                      <a:pPr algn="l" rtl="0">
                         <a:lnSpc>
                           <a:spcPct val="100000"/>
                         </a:lnSpc>
@@ -5571,7 +5282,7 @@
                     <a:bodyPr/>
                     <a:lstStyle/>
                     <a:p>
-                      <a:pPr marL="49530">
+                      <a:pPr marL="49530" algn="l" rtl="0">
                         <a:lnSpc>
                           <a:spcPct val="100000"/>
                         </a:lnSpc>
@@ -5638,16 +5349,12 @@
                         </a:spcBef>
                       </a:pPr>
                       <a:r>
-                        <a:rPr lang="en-US" sz="1100" b="0" i="0" spc="0" dirty="0">
+                        <a:rPr lang="pt-BR" sz="1100" b="0" i="0" dirty="0">
                           <a:latin typeface="Adobe Clean Light" panose="020B0303020404020204" pitchFamily="34" charset="0"/>
                           <a:cs typeface="AdobeClean-Light"/>
                         </a:rPr>
-                        <a:t>Executive Sponsor</a:t>
+                        <a:t>Patrocinador executivo</a:t>
                       </a:r>
-                      <a:endParaRPr sz="1100" b="0" i="0" spc="0" dirty="0">
-                        <a:latin typeface="Adobe Clean Light" panose="020B0303020404020204" pitchFamily="34" charset="0"/>
-                        <a:cs typeface="AdobeClean-Light"/>
-                      </a:endParaRPr>
                     </a:p>
                   </a:txBody>
                   <a:tcPr marL="0" marR="0" marT="67310" marB="0">
@@ -5691,7 +5398,7 @@
                     <a:bodyPr/>
                     <a:lstStyle/>
                     <a:p>
-                      <a:pPr>
+                      <a:pPr algn="l" rtl="0">
                         <a:lnSpc>
                           <a:spcPct val="100000"/>
                         </a:lnSpc>
@@ -5738,7 +5445,7 @@
                     <a:bodyPr/>
                     <a:lstStyle/>
                     <a:p>
-                      <a:pPr>
+                      <a:pPr algn="l" rtl="0">
                         <a:lnSpc>
                           <a:spcPct val="100000"/>
                         </a:lnSpc>
@@ -5814,13 +5521,13 @@
           <a:lstStyle/>
           <a:p>
             <a:r>
-              <a:rPr lang="en-US" sz="700" i="1" dirty="0">
+              <a:rPr lang="pt-BR" sz="700" i="1">
                 <a:solidFill>
                   <a:schemeClr val="bg1"/>
                 </a:solidFill>
                 <a:latin typeface="Adobe Clean" panose="020B0503020404020204" pitchFamily="34" charset="0"/>
               </a:rPr>
-              <a:t>Adobe Creative Cloud / Adobe Document Cloud (including Adobe Sign)</a:t>
+              <a:t>Adobe Creative Cloud / Adobe Document Cloud (incluindo Adobe Sign)</a:t>
             </a:r>
           </a:p>
         </p:txBody>
@@ -5840,7 +5547,7 @@
           <p:nvPr>
             <p:extLst>
               <p:ext uri="{D42A27DB-BD31-4B8C-83A1-F6EECF244321}">
-                <p14:modId xmlns:p14="http://schemas.microsoft.com/office/powerpoint/2010/main" val="2288175540"/>
+                <p14:modId xmlns:p14="http://schemas.microsoft.com/office/powerpoint/2010/main" val="2625650997"/>
               </p:ext>
             </p:extLst>
           </p:nvPr>
@@ -5877,14 +5584,14 @@
                     </a:ext>
                   </a:extLst>
                 </a:gridCol>
-                <a:gridCol w="914399">
+                <a:gridCol w="1066801">
                   <a:extLst>
                     <a:ext uri="{9D8B030D-6E8A-4147-A177-3AD203B41FA5}">
                       <a16:colId xmlns:a16="http://schemas.microsoft.com/office/drawing/2014/main" val="20003"/>
                     </a:ext>
                   </a:extLst>
                 </a:gridCol>
-                <a:gridCol w="914399">
+                <a:gridCol w="761997">
                   <a:extLst>
                     <a:ext uri="{9D8B030D-6E8A-4147-A177-3AD203B41FA5}">
                       <a16:colId xmlns:a16="http://schemas.microsoft.com/office/drawing/2014/main" val="20004"/>
@@ -5907,19 +5614,15 @@
                         </a:spcBef>
                       </a:pPr>
                       <a:r>
-                        <a:rPr sz="1000" spc="0">
+                        <a:rPr lang="pt-BR" sz="1000">
                           <a:solidFill>
                             <a:srgbClr val="020302"/>
                           </a:solidFill>
                           <a:latin typeface="Adobe Clean"/>
                           <a:cs typeface="Adobe Clean"/>
                         </a:rPr>
-                        <a:t>Priority</a:t>
+                        <a:t>Prioridade</a:t>
                       </a:r>
-                      <a:endParaRPr sz="1000" spc="0">
-                        <a:latin typeface="Adobe Clean"/>
-                        <a:cs typeface="Adobe Clean"/>
-                      </a:endParaRPr>
                     </a:p>
                   </a:txBody>
                   <a:tcPr marL="0" marR="0" marT="7620" marB="0" anchor="ctr">
@@ -5966,49 +5669,15 @@
                         </a:spcBef>
                       </a:pPr>
                       <a:r>
-                        <a:rPr lang="en-US" sz="900" spc="0">
+                        <a:rPr lang="pt-BR" sz="900">
                           <a:solidFill>
                             <a:srgbClr val="020302"/>
                           </a:solidFill>
                           <a:latin typeface="Adobe Clean"/>
                           <a:cs typeface="Adobe Clean"/>
                         </a:rPr>
-                        <a:t>Standard</a:t>
+                        <a:t>Suporte Standard</a:t>
                       </a:r>
-                      <a:r>
-                        <a:rPr sz="900" spc="0">
-                          <a:solidFill>
-                            <a:srgbClr val="020302"/>
-                          </a:solidFill>
-                          <a:latin typeface="Adobe Clean"/>
-                          <a:cs typeface="Adobe Clean"/>
-                        </a:rPr>
-                        <a:t> </a:t>
-                      </a:r>
-                      <a:r>
-                        <a:rPr lang="en-US" sz="900" spc="0">
-                          <a:solidFill>
-                            <a:srgbClr val="020302"/>
-                          </a:solidFill>
-                          <a:latin typeface="Adobe Clean"/>
-                          <a:cs typeface="Adobe Clean"/>
-                        </a:rPr>
-                        <a:t> </a:t>
-                      </a:r>
-                      <a:r>
-                        <a:rPr sz="900" spc="0">
-                          <a:solidFill>
-                            <a:srgbClr val="020302"/>
-                          </a:solidFill>
-                          <a:latin typeface="Adobe Clean"/>
-                          <a:cs typeface="Adobe Clean"/>
-                        </a:rPr>
-                        <a:t>Support</a:t>
-                      </a:r>
-                      <a:endParaRPr sz="900" spc="0">
-                        <a:latin typeface="Adobe Clean"/>
-                        <a:cs typeface="Adobe Clean"/>
-                      </a:endParaRPr>
                     </a:p>
                   </a:txBody>
                   <a:tcPr marL="0" marR="0" marT="0" marB="0" anchor="ctr">
@@ -6058,39 +5727,15 @@
                         </a:spcBef>
                       </a:pPr>
                       <a:r>
-                        <a:rPr sz="900" spc="0">
+                        <a:rPr lang="pt-BR" sz="900">
                           <a:solidFill>
                             <a:srgbClr val="FFFFFF"/>
                           </a:solidFill>
                           <a:latin typeface="Adobe Clean"/>
                           <a:cs typeface="Adobe Clean"/>
                         </a:rPr>
-                        <a:t>Business</a:t>
+                        <a:t>Suporte Business</a:t>
                       </a:r>
-                      <a:r>
-                        <a:rPr lang="en-US" sz="900" spc="0">
-                          <a:solidFill>
-                            <a:srgbClr val="FFFFFF"/>
-                          </a:solidFill>
-                          <a:latin typeface="Adobe Clean"/>
-                          <a:cs typeface="Adobe Clean"/>
-                        </a:rPr>
-                        <a:t> </a:t>
-                      </a:r>
-                      <a:r>
-                        <a:rPr sz="900" spc="0">
-                          <a:solidFill>
-                            <a:srgbClr val="FFFFFF"/>
-                          </a:solidFill>
-                          <a:latin typeface="Adobe Clean"/>
-                          <a:cs typeface="Adobe Clean"/>
-                        </a:rPr>
-                        <a:t>Support</a:t>
-                      </a:r>
-                      <a:endParaRPr sz="900" spc="0">
-                        <a:latin typeface="Adobe Clean"/>
-                        <a:cs typeface="Adobe Clean"/>
-                      </a:endParaRPr>
                     </a:p>
                   </a:txBody>
                   <a:tcPr marL="0" marR="0" marT="0" marB="0" anchor="ctr">
@@ -6137,39 +5782,15 @@
                         </a:spcBef>
                       </a:pPr>
                       <a:r>
-                        <a:rPr sz="900" spc="0">
+                        <a:rPr lang="pt-BR" sz="900">
                           <a:solidFill>
                             <a:srgbClr val="FFFFFF"/>
                           </a:solidFill>
                           <a:latin typeface="Adobe Clean"/>
                           <a:cs typeface="Adobe Clean"/>
                         </a:rPr>
-                        <a:t>Enterprise </a:t>
+                        <a:t>Suporte Enterprise</a:t>
                       </a:r>
-                      <a:r>
-                        <a:rPr lang="en-US" sz="900" spc="0">
-                          <a:solidFill>
-                            <a:srgbClr val="FFFFFF"/>
-                          </a:solidFill>
-                          <a:latin typeface="Adobe Clean"/>
-                          <a:cs typeface="Adobe Clean"/>
-                        </a:rPr>
-                        <a:t> </a:t>
-                      </a:r>
-                      <a:r>
-                        <a:rPr sz="900" spc="0">
-                          <a:solidFill>
-                            <a:srgbClr val="FFFFFF"/>
-                          </a:solidFill>
-                          <a:latin typeface="Adobe Clean"/>
-                          <a:cs typeface="Adobe Clean"/>
-                        </a:rPr>
-                        <a:t>Support</a:t>
-                      </a:r>
-                      <a:endParaRPr sz="900" spc="0">
-                        <a:latin typeface="Adobe Clean"/>
-                        <a:cs typeface="Adobe Clean"/>
-                      </a:endParaRPr>
                     </a:p>
                   </a:txBody>
                   <a:tcPr marL="0" marR="0" marT="0" marB="0" anchor="ctr">
@@ -6216,39 +5837,15 @@
                         </a:spcBef>
                       </a:pPr>
                       <a:r>
-                        <a:rPr sz="900" spc="0">
+                        <a:rPr lang="pt-BR" sz="900" dirty="0">
                           <a:solidFill>
                             <a:srgbClr val="FFFFFF"/>
                           </a:solidFill>
                           <a:latin typeface="Adobe Clean"/>
                           <a:cs typeface="Adobe Clean"/>
                         </a:rPr>
-                        <a:t>Elite</a:t>
+                        <a:t>Suporte Elite</a:t>
                       </a:r>
-                      <a:r>
-                        <a:rPr lang="en-US" sz="900" spc="0">
-                          <a:solidFill>
-                            <a:srgbClr val="FFFFFF"/>
-                          </a:solidFill>
-                          <a:latin typeface="Adobe Clean"/>
-                          <a:cs typeface="Adobe Clean"/>
-                        </a:rPr>
-                        <a:t> </a:t>
-                      </a:r>
-                      <a:r>
-                        <a:rPr sz="900" spc="0">
-                          <a:solidFill>
-                            <a:srgbClr val="FFFFFF"/>
-                          </a:solidFill>
-                          <a:latin typeface="Adobe Clean"/>
-                          <a:cs typeface="Adobe Clean"/>
-                        </a:rPr>
-                        <a:t>Support</a:t>
-                      </a:r>
-                      <a:endParaRPr sz="900" spc="0">
-                        <a:latin typeface="Adobe Clean"/>
-                        <a:cs typeface="Adobe Clean"/>
-                      </a:endParaRPr>
                     </a:p>
                   </a:txBody>
                   <a:tcPr marL="0" marR="0" marT="0" marB="0" anchor="ctr">
@@ -6302,19 +5899,15 @@
                         </a:spcBef>
                       </a:pPr>
                       <a:r>
-                        <a:rPr sz="900" b="1" spc="0" dirty="0">
+                        <a:rPr lang="pt-BR" sz="900" b="1" dirty="0">
                           <a:solidFill>
                             <a:srgbClr val="020302"/>
                           </a:solidFill>
                           <a:latin typeface="Adobe Clean"/>
                           <a:cs typeface="Adobe Clean"/>
                         </a:rPr>
-                        <a:t>PRIORITY 1</a:t>
+                        <a:t>PRIORIDADE 1</a:t>
                       </a:r>
-                      <a:endParaRPr sz="900" spc="0" dirty="0">
-                        <a:latin typeface="Adobe Clean"/>
-                        <a:cs typeface="Adobe Clean"/>
-                      </a:endParaRPr>
                     </a:p>
                     <a:p>
                       <a:pPr marL="50800" marR="387985">
@@ -6326,19 +5919,14 @@
                         </a:spcBef>
                       </a:pPr>
                       <a:r>
-                        <a:rPr lang="en-US" sz="900" b="0" i="0" spc="0" dirty="0">
+                        <a:rPr lang="pt-BR" sz="900" b="0" i="0" dirty="0">
                           <a:solidFill>
                             <a:srgbClr val="000000"/>
                           </a:solidFill>
-                          <a:effectLst/>
                           <a:latin typeface="Adobe Clean Light" panose="020B0303020404020204" pitchFamily="34" charset="0"/>
                         </a:rPr>
-                        <a:t>Customer's production business functions are down or have significant data loss or service degradation and immediate attention is required to restore functionality and usability. </a:t>
+                        <a:t>As funções de produção do cliente estão inativas ou têm perda significativa de dados ou degradação de serviços, e é necessária atenção imediata para restaurar a funcionalidade e a usabilidade. </a:t>
                       </a:r>
-                      <a:endParaRPr sz="900" spc="0" dirty="0">
-                        <a:latin typeface="AdobeClean-Light"/>
-                        <a:cs typeface="AdobeClean-Light"/>
-                      </a:endParaRPr>
                     </a:p>
                   </a:txBody>
                   <a:tcPr marL="0" marR="0" marT="0" marB="0" anchor="ctr">
@@ -6385,7 +5973,7 @@
                         </a:spcBef>
                       </a:pPr>
                       <a:r>
-                        <a:rPr lang="en-US" sz="900" spc="0">
+                        <a:rPr lang="pt-BR" sz="900">
                           <a:solidFill>
                             <a:srgbClr val="020302"/>
                           </a:solidFill>
@@ -6405,19 +5993,15 @@
                         </a:spcBef>
                       </a:pPr>
                       <a:r>
-                        <a:rPr lang="en-US" sz="900" spc="0">
+                        <a:rPr lang="pt-BR" sz="900">
                           <a:solidFill>
                             <a:srgbClr val="020302"/>
                           </a:solidFill>
                           <a:latin typeface="AdobeClean-Light"/>
                           <a:cs typeface="AdobeClean-Light"/>
                         </a:rPr>
-                        <a:t> 30 minutes</a:t>
+                        <a:t> 30 minutos</a:t>
                       </a:r>
-                      <a:endParaRPr lang="en-US" sz="900" spc="0">
-                        <a:latin typeface="AdobeClean-Light"/>
-                        <a:cs typeface="AdobeClean-Light"/>
-                      </a:endParaRPr>
                     </a:p>
                   </a:txBody>
                   <a:tcPr marL="0" marR="0" marT="0" marB="0" anchor="ctr">
@@ -6462,10 +6046,10 @@
                         <a:tabLst/>
                       </a:pPr>
                       <a:r>
-                        <a:rPr lang="en-US" sz="1000" i="0" spc="0" dirty="0">
+                        <a:rPr lang="pt-BR" sz="1000" i="0">
                           <a:latin typeface="AdobeClean-Light"/>
                         </a:rPr>
-                        <a:t>Customers who purchase a Support Plan for applicable Adobe Products and Services receive priority case routing that fast-tracks cases to Adobe’s Support Engineers. </a:t>
+                        <a:t>Os clientes que adquirem um plano de suporte para produtos e serviços da Adobe aplicáveis recebem encaminhamento prioritário de casos, que envia com mais rapidez os casos para engenheiros de suporte da Adobe. </a:t>
                       </a:r>
                     </a:p>
                   </a:txBody>
@@ -6513,7 +6097,7 @@
                         </a:spcBef>
                       </a:pPr>
                       <a:r>
-                        <a:rPr sz="900" spc="0">
+                        <a:rPr lang="pt-BR" sz="900">
                           <a:solidFill>
                             <a:srgbClr val="020302"/>
                           </a:solidFill>
@@ -6523,10 +6107,52 @@
                           <a:latin typeface="AdobeClean-Light"/>
                           <a:cs typeface="AdobeClean-Light"/>
                         </a:rPr>
-                        <a:t>24x7 /  </a:t>
+                        <a:t>24x7 /           30 minutos</a:t>
                       </a:r>
+                    </a:p>
+                  </a:txBody>
+                  <a:tcPr marL="0" marR="0" marT="0" marB="0" anchor="ctr">
+                    <a:lnL w="3175">
+                      <a:solidFill>
+                        <a:srgbClr val="B7B8B8"/>
+                      </a:solidFill>
+                      <a:prstDash val="solid"/>
+                    </a:lnL>
+                    <a:lnR w="3175">
+                      <a:solidFill>
+                        <a:srgbClr val="B7B8B8"/>
+                      </a:solidFill>
+                      <a:prstDash val="solid"/>
+                    </a:lnR>
+                    <a:lnT w="76200">
+                      <a:solidFill>
+                        <a:srgbClr val="2E8FFF"/>
+                      </a:solidFill>
+                      <a:prstDash val="solid"/>
+                    </a:lnT>
+                    <a:lnB w="3175">
+                      <a:solidFill>
+                        <a:srgbClr val="B7B8B8"/>
+                      </a:solidFill>
+                      <a:prstDash val="solid"/>
+                    </a:lnB>
+                  </a:tcPr>
+                </a:tc>
+                <a:tc rowSpan="4" hMerge="1">
+                  <a:txBody>
+                    <a:bodyPr/>
+                    <a:lstStyle/>
+                    <a:p>
+                      <a:pPr marL="0" marR="271780" indent="103505" algn="ctr">
+                        <a:lnSpc>
+                          <a:spcPct val="100000"/>
+                        </a:lnSpc>
+                        <a:spcBef>
+                          <a:spcPts val="670"/>
+                        </a:spcBef>
+                      </a:pPr>
                       <a:r>
-                        <a:rPr lang="en-US" sz="900" spc="0">
+                        <a:rPr lang="pt-BR" sz="900">
                           <a:solidFill>
                             <a:srgbClr val="020302"/>
                           </a:solidFill>
@@ -6536,168 +6162,8 @@
                           <a:latin typeface="AdobeClean-Light"/>
                           <a:cs typeface="AdobeClean-Light"/>
                         </a:rPr>
-                        <a:t>         </a:t>
+                        <a:t>24x7 /         15 minutos</a:t>
                       </a:r>
-                      <a:r>
-                        <a:rPr sz="900" spc="0">
-                          <a:solidFill>
-                            <a:srgbClr val="020302"/>
-                          </a:solidFill>
-                          <a:highlight>
-                            <a:srgbClr val="FFFF00"/>
-                          </a:highlight>
-                          <a:latin typeface="AdobeClean-Light"/>
-                          <a:cs typeface="AdobeClean-Light"/>
-                        </a:rPr>
-                        <a:t>30</a:t>
-                      </a:r>
-                      <a:r>
-                        <a:rPr lang="en-US" sz="900" spc="0">
-                          <a:solidFill>
-                            <a:srgbClr val="020302"/>
-                          </a:solidFill>
-                          <a:highlight>
-                            <a:srgbClr val="FFFF00"/>
-                          </a:highlight>
-                          <a:latin typeface="AdobeClean-Light"/>
-                          <a:cs typeface="AdobeClean-Light"/>
-                        </a:rPr>
-                        <a:t> </a:t>
-                      </a:r>
-                      <a:r>
-                        <a:rPr sz="900" spc="0">
-                          <a:solidFill>
-                            <a:srgbClr val="020302"/>
-                          </a:solidFill>
-                          <a:highlight>
-                            <a:srgbClr val="FFFF00"/>
-                          </a:highlight>
-                          <a:latin typeface="AdobeClean-Light"/>
-                          <a:cs typeface="AdobeClean-Light"/>
-                        </a:rPr>
-                        <a:t>minutes</a:t>
-                      </a:r>
-                      <a:endParaRPr sz="900" spc="0">
-                        <a:highlight>
-                          <a:srgbClr val="FFFF00"/>
-                        </a:highlight>
-                        <a:latin typeface="AdobeClean-Light"/>
-                        <a:cs typeface="AdobeClean-Light"/>
-                      </a:endParaRPr>
-                    </a:p>
-                  </a:txBody>
-                  <a:tcPr marL="0" marR="0" marT="0" marB="0" anchor="ctr">
-                    <a:lnL w="3175">
-                      <a:solidFill>
-                        <a:srgbClr val="B7B8B8"/>
-                      </a:solidFill>
-                      <a:prstDash val="solid"/>
-                    </a:lnL>
-                    <a:lnR w="3175">
-                      <a:solidFill>
-                        <a:srgbClr val="B7B8B8"/>
-                      </a:solidFill>
-                      <a:prstDash val="solid"/>
-                    </a:lnR>
-                    <a:lnT w="76200">
-                      <a:solidFill>
-                        <a:srgbClr val="2E8FFF"/>
-                      </a:solidFill>
-                      <a:prstDash val="solid"/>
-                    </a:lnT>
-                    <a:lnB w="3175">
-                      <a:solidFill>
-                        <a:srgbClr val="B7B8B8"/>
-                      </a:solidFill>
-                      <a:prstDash val="solid"/>
-                    </a:lnB>
-                  </a:tcPr>
-                </a:tc>
-                <a:tc rowSpan="4" hMerge="1">
-                  <a:txBody>
-                    <a:bodyPr/>
-                    <a:lstStyle/>
-                    <a:p>
-                      <a:pPr marL="0" marR="271780" indent="103505" algn="ctr">
-                        <a:lnSpc>
-                          <a:spcPct val="100000"/>
-                        </a:lnSpc>
-                        <a:spcBef>
-                          <a:spcPts val="670"/>
-                        </a:spcBef>
-                      </a:pPr>
-                      <a:r>
-                        <a:rPr sz="900" spc="0">
-                          <a:solidFill>
-                            <a:srgbClr val="020302"/>
-                          </a:solidFill>
-                          <a:highlight>
-                            <a:srgbClr val="FFFF00"/>
-                          </a:highlight>
-                          <a:latin typeface="AdobeClean-Light"/>
-                          <a:cs typeface="AdobeClean-Light"/>
-                        </a:rPr>
-                        <a:t>24x7 / </a:t>
-                      </a:r>
-                      <a:r>
-                        <a:rPr lang="en-US" sz="900" spc="0">
-                          <a:solidFill>
-                            <a:srgbClr val="020302"/>
-                          </a:solidFill>
-                          <a:highlight>
-                            <a:srgbClr val="FFFF00"/>
-                          </a:highlight>
-                          <a:latin typeface="AdobeClean-Light"/>
-                          <a:cs typeface="AdobeClean-Light"/>
-                        </a:rPr>
-                        <a:t>       </a:t>
-                      </a:r>
-                      <a:r>
-                        <a:rPr sz="900" spc="0">
-                          <a:solidFill>
-                            <a:srgbClr val="020302"/>
-                          </a:solidFill>
-                          <a:highlight>
-                            <a:srgbClr val="FFFF00"/>
-                          </a:highlight>
-                          <a:latin typeface="AdobeClean-Light"/>
-                          <a:cs typeface="AdobeClean-Light"/>
-                        </a:rPr>
-                        <a:t> 15</a:t>
-                      </a:r>
-                      <a:r>
-                        <a:rPr lang="en-US" sz="900" spc="0">
-                          <a:solidFill>
-                            <a:srgbClr val="020302"/>
-                          </a:solidFill>
-                          <a:highlight>
-                            <a:srgbClr val="FFFF00"/>
-                          </a:highlight>
-                          <a:latin typeface="AdobeClean-Light"/>
-                          <a:cs typeface="AdobeClean-Light"/>
-                        </a:rPr>
-                        <a:t> </a:t>
-                      </a:r>
-                      <a:r>
-                        <a:rPr sz="900" spc="0">
-                          <a:solidFill>
-                            <a:srgbClr val="020302"/>
-                          </a:solidFill>
-                          <a:highlight>
-                            <a:srgbClr val="FFFF00"/>
-                          </a:highlight>
-                          <a:latin typeface="AdobeClean-Light"/>
-                          <a:cs typeface="AdobeClean-Light"/>
-                        </a:rPr>
-                        <a:t>minutes</a:t>
-                      </a:r>
-                      <a:endParaRPr sz="900" spc="0">
-                        <a:highlight>
-                          <a:srgbClr val="FFFF00"/>
-                        </a:highlight>
-                        <a:latin typeface="AdobeClean-Light"/>
-                        <a:cs typeface="AdobeClean-Light"/>
-                      </a:endParaRPr>
                     </a:p>
                   </a:txBody>
                   <a:tcPr marL="0" marR="0" marT="0" marB="0" anchor="ctr">
@@ -6748,19 +6214,15 @@
                         </a:spcBef>
                       </a:pPr>
                       <a:r>
-                        <a:rPr sz="900" b="1" spc="0">
+                        <a:rPr lang="pt-BR" sz="900" b="1">
                           <a:solidFill>
                             <a:srgbClr val="020302"/>
                           </a:solidFill>
                           <a:latin typeface="Adobe Clean"/>
                           <a:cs typeface="Adobe Clean"/>
                         </a:rPr>
-                        <a:t>PRIORITY 2</a:t>
+                        <a:t>PRIORIDADE 2</a:t>
                       </a:r>
-                      <a:endParaRPr sz="900" spc="0">
-                        <a:latin typeface="Adobe Clean"/>
-                        <a:cs typeface="Adobe Clean"/>
-                      </a:endParaRPr>
                     </a:p>
                     <a:p>
                       <a:pPr marL="50165" marR="203200" indent="0" defTabSz="914400" eaLnBrk="1" fontAlgn="auto" latinLnBrk="0" hangingPunct="1">
@@ -6781,19 +6243,14 @@
                         <a:defRPr/>
                       </a:pPr>
                       <a:r>
-                        <a:rPr lang="en-US" sz="900" b="0" i="0" spc="0">
+                        <a:rPr lang="pt-BR" sz="900" b="0" i="0">
                           <a:solidFill>
                             <a:srgbClr val="000000"/>
                           </a:solidFill>
-                          <a:effectLst/>
                           <a:latin typeface="Adobe Clean Light" panose="020B0303020404020204" pitchFamily="34" charset="0"/>
                         </a:rPr>
-                        <a:t>Customer's business functions have major service degradation or potential data loss, or a major feature is impacted. </a:t>
+                        <a:t>As funções empresariais do cliente têm grande degradação de serviços, perda potencial de dados ou foi afetado um recurso importante. </a:t>
                       </a:r>
-                      <a:endParaRPr sz="900" b="0" i="0" spc="0">
-                        <a:latin typeface="Adobe Clean Light" panose="020B0303020404020204" pitchFamily="34" charset="0"/>
-                        <a:cs typeface="AdobeClean-Light"/>
-                      </a:endParaRPr>
                     </a:p>
                   </a:txBody>
                   <a:tcPr marL="0" marR="0" marT="0" marB="0" anchor="ctr">
@@ -6840,7 +6297,7 @@
                         </a:spcBef>
                       </a:pPr>
                       <a:r>
-                        <a:rPr lang="en-US" sz="900" spc="0">
+                        <a:rPr lang="pt-BR" sz="900">
                           <a:solidFill>
                             <a:srgbClr val="020302"/>
                           </a:solidFill>
@@ -6860,19 +6317,15 @@
                         </a:spcBef>
                       </a:pPr>
                       <a:r>
-                        <a:rPr lang="en-US" sz="900" spc="0">
+                        <a:rPr lang="pt-BR" sz="900">
                           <a:solidFill>
                             <a:srgbClr val="020302"/>
                           </a:solidFill>
                           <a:latin typeface="AdobeClean-Light"/>
                           <a:cs typeface="AdobeClean-Light"/>
                         </a:rPr>
-                        <a:t>     1 hour</a:t>
+                        <a:t>     1 hora</a:t>
                       </a:r>
-                      <a:endParaRPr lang="en-US" sz="900" spc="0">
-                        <a:latin typeface="AdobeClean-Light"/>
-                        <a:cs typeface="AdobeClean-Light"/>
-                      </a:endParaRPr>
                     </a:p>
                   </a:txBody>
                   <a:tcPr marL="0" marR="0" marT="0" marB="0" anchor="ctr">
@@ -6907,7 +6360,7 @@
                     <a:bodyPr/>
                     <a:lstStyle/>
                     <a:p>
-                      <a:pPr marL="0" marR="184785" indent="-194310" algn="ctr">
+                      <a:pPr marL="0" marR="184785" indent="-194310" algn="l" rtl="0">
                         <a:lnSpc>
                           <a:spcPct val="100000"/>
                         </a:lnSpc>
@@ -6959,7 +6412,7 @@
                     <a:bodyPr/>
                     <a:lstStyle/>
                     <a:p>
-                      <a:pPr marL="0" marR="325755" indent="-5715" algn="ctr">
+                      <a:pPr marL="0" marR="325755" indent="-5715" algn="l" rtl="0">
                         <a:lnSpc>
                           <a:spcPct val="100000"/>
                         </a:lnSpc>
@@ -7008,7 +6461,7 @@
                     <a:bodyPr/>
                     <a:lstStyle/>
                     <a:p>
-                      <a:pPr marL="0" marR="259079" indent="111760" algn="ctr">
+                      <a:pPr marL="0" marR="259079" indent="111760" algn="l" rtl="0">
                         <a:lnSpc>
                           <a:spcPct val="100000"/>
                         </a:lnSpc>
@@ -7073,29 +6526,15 @@
                         </a:spcBef>
                       </a:pPr>
                       <a:r>
-                        <a:rPr sz="900" b="1" spc="0">
+                        <a:rPr lang="pt-BR" sz="900" b="1">
                           <a:solidFill>
                             <a:srgbClr val="020302"/>
                           </a:solidFill>
                           <a:latin typeface="Adobe Clean"/>
                           <a:cs typeface="Adobe Clean"/>
                         </a:rPr>
-                        <a:t>PRIORITY</a:t>
+                        <a:t>PRIORIDADE 3</a:t>
                       </a:r>
-                      <a:r>
-                        <a:rPr lang="en-US" sz="900" b="1" spc="0">
-                          <a:solidFill>
-                            <a:srgbClr val="020302"/>
-                          </a:solidFill>
-                          <a:latin typeface="Adobe Clean"/>
-                          <a:cs typeface="Adobe Clean"/>
-                        </a:rPr>
-                        <a:t> 3</a:t>
-                      </a:r>
-                      <a:endParaRPr lang="en-US" sz="900" spc="0">
-                        <a:latin typeface="Adobe Clean"/>
-                        <a:cs typeface="Adobe Clean"/>
-                      </a:endParaRPr>
                     </a:p>
                     <a:p>
                       <a:pPr marL="49530" marR="212090" indent="-2540" defTabSz="914400" eaLnBrk="1" fontAlgn="auto" latinLnBrk="0" hangingPunct="1">
@@ -7116,26 +6555,21 @@
                         <a:defRPr/>
                       </a:pPr>
                       <a:r>
-                        <a:rPr kumimoji="0" lang="en-US" sz="900" b="0" i="0" u="none" strike="noStrike" kern="1200" cap="none" spc="0" normalizeH="0" baseline="0" noProof="0">
+                        <a:rPr kumimoji="0" lang="pt-BR" sz="900" b="0" i="0" u="none" strike="noStrike" cap="none" normalizeH="0" baseline="0" noProof="0">
                           <a:ln>
                             <a:noFill/>
                           </a:ln>
                           <a:solidFill>
                             <a:srgbClr val="000000"/>
                           </a:solidFill>
-                          <a:effectLst/>
                           <a:uLnTx/>
                           <a:uFillTx/>
                           <a:latin typeface="Adobe Clean Light" panose="020B0303020404020204" pitchFamily="34" charset="0"/>
                           <a:ea typeface="+mn-ea"/>
                           <a:cs typeface="+mn-cs"/>
                         </a:rPr>
-                        <a:t>Customer's business functions have minor service degradation but there exists a solution/workaround allowing business functions to continue normally. </a:t>
+                        <a:t>As funções empresariais do cliente têm pouca degradação dos serviços, e há uma solução/solução alternativa que permite que as funções empresariais continuem funcionando normalmente. </a:t>
                       </a:r>
-                      <a:endParaRPr lang="en-US" sz="900" b="0" i="0" spc="0">
-                        <a:latin typeface="Adobe Clean Light" panose="020B0303020404020204" pitchFamily="34" charset="0"/>
-                        <a:cs typeface="AdobeClean-Light"/>
-                      </a:endParaRPr>
                     </a:p>
                   </a:txBody>
                   <a:tcPr marL="0" marR="0" marT="0" marB="0" anchor="ctr">
@@ -7185,14 +6619,14 @@
                         </a:tabLst>
                       </a:pPr>
                       <a:r>
-                        <a:rPr lang="en-US" sz="900" spc="0">
+                        <a:rPr lang="pt-BR" sz="900">
                           <a:solidFill>
                             <a:srgbClr val="020302"/>
                           </a:solidFill>
                           <a:latin typeface="AdobeClean-Light"/>
                           <a:cs typeface="AdobeClean-Light"/>
                         </a:rPr>
-                        <a:t>Business day /   </a:t>
+                        <a:t>Dia útil /   </a:t>
                       </a:r>
                     </a:p>
                     <a:p>
@@ -7205,19 +6639,15 @@
                         </a:spcBef>
                       </a:pPr>
                       <a:r>
-                        <a:rPr lang="en-US" sz="900" spc="0">
+                        <a:rPr lang="pt-BR" sz="900">
                           <a:solidFill>
                             <a:srgbClr val="020302"/>
                           </a:solidFill>
                           <a:latin typeface="AdobeClean-Light"/>
                           <a:cs typeface="AdobeClean-Light"/>
                         </a:rPr>
-                        <a:t>4 hours</a:t>
+                        <a:t>4 horas</a:t>
                       </a:r>
-                      <a:endParaRPr lang="en-US" sz="900" spc="0">
-                        <a:latin typeface="AdobeClean-Light"/>
-                        <a:cs typeface="AdobeClean-Light"/>
-                      </a:endParaRPr>
                     </a:p>
                   </a:txBody>
                   <a:tcPr marL="0" marR="0" marT="0" marB="0" anchor="ctr">
@@ -7252,7 +6682,7 @@
                     <a:bodyPr/>
                     <a:lstStyle/>
                     <a:p>
-                      <a:pPr marL="0" marR="185420" indent="-193675" algn="ctr">
+                      <a:pPr marL="0" marR="185420" indent="-193675" algn="l" rtl="0">
                         <a:lnSpc>
                           <a:spcPct val="100000"/>
                         </a:lnSpc>
@@ -7304,7 +6734,7 @@
                     <a:bodyPr/>
                     <a:lstStyle/>
                     <a:p>
-                      <a:pPr marL="0" marR="184785" indent="-194310" algn="ctr">
+                      <a:pPr marL="0" marR="184785" indent="-194310" algn="l" rtl="0">
                         <a:lnSpc>
                           <a:spcPct val="100000"/>
                         </a:lnSpc>
@@ -7353,7 +6783,7 @@
                     <a:bodyPr/>
                     <a:lstStyle/>
                     <a:p>
-                      <a:pPr marL="0" marR="326390" indent="-5715" algn="ctr">
+                      <a:pPr marL="0" marR="326390" indent="-5715" algn="l" rtl="0">
                         <a:lnSpc>
                           <a:spcPct val="100000"/>
                         </a:lnSpc>
@@ -7418,19 +6848,15 @@
                         </a:spcBef>
                       </a:pPr>
                       <a:r>
-                        <a:rPr sz="900" b="1" spc="0">
+                        <a:rPr lang="pt-BR" sz="900" b="1">
                           <a:solidFill>
                             <a:srgbClr val="020302"/>
                           </a:solidFill>
                           <a:latin typeface="Adobe Clean"/>
                           <a:cs typeface="Adobe Clean"/>
                         </a:rPr>
-                        <a:t>PRIORITY 4</a:t>
+                        <a:t>PRIORIDADE 4</a:t>
                       </a:r>
-                      <a:endParaRPr sz="900" spc="0">
-                        <a:latin typeface="Adobe Clean"/>
-                        <a:cs typeface="Adobe Clean"/>
-                      </a:endParaRPr>
                     </a:p>
                     <a:p>
                       <a:pPr marL="48895" marR="0" indent="0" defTabSz="914400" eaLnBrk="1" fontAlgn="auto" latinLnBrk="0" hangingPunct="1">
@@ -7451,19 +6877,14 @@
                         <a:defRPr/>
                       </a:pPr>
                       <a:r>
-                        <a:rPr lang="en-US" sz="900" b="0" i="0" spc="0">
+                        <a:rPr lang="pt-BR" sz="900" b="0" i="0">
                           <a:solidFill>
                             <a:srgbClr val="000000"/>
                           </a:solidFill>
-                          <a:effectLst/>
                           <a:latin typeface="Adobe Clean Light" panose="020B0303020404020204" pitchFamily="34" charset="0"/>
                         </a:rPr>
-                        <a:t>General question regarding current product functionality or an enhancement request.</a:t>
+                        <a:t>Pergunta geral sobre a funcionalidade atual do produto ou solicitação de melhoria.</a:t>
                       </a:r>
-                      <a:endParaRPr sz="900" b="0" i="0" spc="0">
-                        <a:latin typeface="Adobe Clean Light" panose="020B0303020404020204" pitchFamily="34" charset="0"/>
-                        <a:cs typeface="AdobeClean-Light"/>
-                      </a:endParaRPr>
                     </a:p>
                   </a:txBody>
                   <a:tcPr marL="0" marR="0" marT="0" marB="0" anchor="ctr">
@@ -7513,14 +6934,14 @@
                         </a:tabLst>
                       </a:pPr>
                       <a:r>
-                        <a:rPr lang="en-US" sz="900" spc="0" dirty="0">
+                        <a:rPr lang="pt-BR" sz="900" dirty="0">
                           <a:solidFill>
                             <a:srgbClr val="020302"/>
                           </a:solidFill>
                           <a:latin typeface="AdobeClean-Light"/>
                           <a:cs typeface="AdobeClean-Light"/>
                         </a:rPr>
-                        <a:t>  Business day /   </a:t>
+                        <a:t>  Dia útil /   </a:t>
                       </a:r>
                     </a:p>
                     <a:p>
@@ -7533,19 +6954,15 @@
                         </a:spcBef>
                       </a:pPr>
                       <a:r>
-                        <a:rPr lang="en-US" sz="900" spc="0" dirty="0">
+                        <a:rPr lang="pt-BR" sz="900" dirty="0">
                           <a:solidFill>
                             <a:srgbClr val="020302"/>
                           </a:solidFill>
                           <a:latin typeface="AdobeClean-Light"/>
                           <a:cs typeface="AdobeClean-Light"/>
                         </a:rPr>
-                        <a:t>1 day </a:t>
+                        <a:t>1 dia </a:t>
                       </a:r>
-                      <a:endParaRPr lang="en-US" sz="900" spc="0" dirty="0">
-                        <a:latin typeface="AdobeClean-Light"/>
-                        <a:cs typeface="AdobeClean-Light"/>
-                      </a:endParaRPr>
                     </a:p>
                   </a:txBody>
                   <a:tcPr marL="0" marR="0" marT="0" marB="0" anchor="ctr">
@@ -7580,7 +6997,7 @@
                     <a:bodyPr/>
                     <a:lstStyle/>
                     <a:p>
-                      <a:pPr marL="0" marR="223520" indent="-202565" algn="ctr">
+                      <a:pPr marL="0" marR="223520" indent="-202565" algn="l" rtl="0">
                         <a:lnSpc>
                           <a:spcPct val="100000"/>
                         </a:lnSpc>
@@ -7632,7 +7049,7 @@
                     <a:bodyPr/>
                     <a:lstStyle/>
                     <a:p>
-                      <a:pPr marL="0" marR="223520" indent="-202565" algn="ctr">
+                      <a:pPr marL="0" marR="223520" indent="-202565" algn="l" rtl="0">
                         <a:lnSpc>
                           <a:spcPct val="100000"/>
                         </a:lnSpc>
@@ -7681,7 +7098,7 @@
                     <a:bodyPr/>
                     <a:lstStyle/>
                     <a:p>
-                      <a:pPr marL="0" marR="223520" indent="-202565" algn="ctr">
+                      <a:pPr marL="0" marR="223520" indent="-202565" algn="l" rtl="0">
                         <a:lnSpc>
                           <a:spcPct val="100000"/>
                         </a:lnSpc>
@@ -7752,7 +7169,7 @@
         <p:spPr>
           <a:xfrm>
             <a:off x="97788" y="9888626"/>
-            <a:ext cx="2245360" cy="133370"/>
+            <a:ext cx="3749040" cy="133370"/>
           </a:xfrm>
           <a:prstGeom prst="rect">
             <a:avLst/>
@@ -7864,36 +7281,8 @@
               </a:spcBef>
             </a:pPr>
             <a:r>
-              <a:rPr lang="en-US" spc="-10" dirty="0"/>
-              <a:t>©202</a:t>
-            </a:r>
-            <a:r>
-              <a:rPr lang="en-US" spc="-5" dirty="0"/>
-              <a:t>2 Adobe. All</a:t>
-            </a:r>
-            <a:r>
-              <a:rPr lang="en-US" spc="-10" dirty="0"/>
-              <a:t> Rights</a:t>
-            </a:r>
-            <a:r>
-              <a:rPr lang="en-US" spc="-5" dirty="0"/>
-              <a:t> </a:t>
-            </a:r>
-            <a:r>
-              <a:rPr lang="en-US" spc="-10" dirty="0"/>
-              <a:t>Reserved.</a:t>
-            </a:r>
-            <a:r>
-              <a:rPr lang="en-US" spc="-5" dirty="0"/>
-              <a:t> Adobe</a:t>
-            </a:r>
-            <a:r>
-              <a:rPr lang="en-US" spc="60" dirty="0"/>
-              <a:t> </a:t>
-            </a:r>
-            <a:r>
-              <a:rPr lang="en-US" spc="-10" dirty="0"/>
-              <a:t>Confidential.</a:t>
+              <a:rPr lang="pt-BR" dirty="0"/>
+              <a:t>©2022 Adobe. All Rights Reserved. Adobe Confidential.</a:t>
             </a:r>
           </a:p>
         </p:txBody>
@@ -8091,15 +7480,11 @@
               </a:spcBef>
             </a:pPr>
             <a:r>
-              <a:rPr lang="en-US" sz="1000" dirty="0">
+              <a:rPr lang="pt-BR" sz="1000">
                 <a:latin typeface="Adobe Clean Light" panose="020B0303020404020204" pitchFamily="34" charset="0"/>
               </a:rPr>
-              <a:t>An assigned Account Support Lead to monitor case progress and function as your escalation point and internal advocate within Adobe Support.</a:t>
+              <a:t>Um líder de suporte de conta designado para monitorar o andamento do caso e funcionar como seu ponto de encaminhamento e defensor interno no suporte da Adobe.</a:t>
             </a:r>
-            <a:endParaRPr lang="en-US" sz="1000" dirty="0">
-              <a:latin typeface="Adobe Clean Light" panose="020B0303020404020204" pitchFamily="34" charset="0"/>
-              <a:cs typeface="AdobeClean-Light"/>
-            </a:endParaRPr>
           </a:p>
         </p:txBody>
       </p:sp>
@@ -8170,13 +7555,13 @@
               </a:spcAft>
             </a:pPr>
             <a:r>
-              <a:rPr lang="en-US" sz="1200" b="1" spc="-10" dirty="0">
+              <a:rPr lang="pt-BR" sz="1200" b="1">
                 <a:solidFill>
                   <a:srgbClr val="020302"/>
                 </a:solidFill>
                 <a:latin typeface="Adobe Clean" panose="020B0503020404020204" pitchFamily="34" charset="0"/>
               </a:rPr>
-              <a:t>Account Support Lead</a:t>
+              <a:t>Líder de suporte da conta</a:t>
             </a:r>
           </a:p>
         </p:txBody>
@@ -8195,8 +7580,8 @@
         </p:nvSpPr>
         <p:spPr>
           <a:xfrm>
-            <a:off x="430064" y="5732304"/>
-            <a:ext cx="1983611" cy="45719"/>
+            <a:off x="430063" y="5732304"/>
+            <a:ext cx="2331720" cy="45719"/>
           </a:xfrm>
           <a:custGeom>
             <a:avLst/>
@@ -8243,8 +7628,8 @@
         </p:nvSpPr>
         <p:spPr>
           <a:xfrm>
-            <a:off x="318713" y="5432541"/>
-            <a:ext cx="2180405" cy="307777"/>
+            <a:off x="318712" y="5432541"/>
+            <a:ext cx="2468880" cy="307777"/>
           </a:xfrm>
           <a:prstGeom prst="rect">
             <a:avLst/>
@@ -8265,19 +7650,15 @@
               </a:spcBef>
             </a:pPr>
             <a:r>
-              <a:rPr lang="en-US" sz="1400" b="1" spc="-10" dirty="0">
+              <a:rPr lang="pt-BR" sz="1400" b="1">
                 <a:solidFill>
                   <a:srgbClr val="020302"/>
                 </a:solidFill>
                 <a:latin typeface="Adobe Clean"/>
                 <a:cs typeface="Adobe Clean"/>
               </a:rPr>
-              <a:t>Standard Support Features</a:t>
+              <a:t>Recursos do suporte Standard</a:t>
             </a:r>
-            <a:endParaRPr lang="en-US" sz="1400" dirty="0">
-              <a:latin typeface="Adobe Clean"/>
-              <a:cs typeface="Adobe Clean"/>
-            </a:endParaRPr>
           </a:p>
         </p:txBody>
       </p:sp>
@@ -8296,7 +7677,7 @@
         <p:spPr>
           <a:xfrm>
             <a:off x="401995" y="736965"/>
-            <a:ext cx="2011680" cy="0"/>
+            <a:ext cx="2331720" cy="0"/>
           </a:xfrm>
           <a:custGeom>
             <a:avLst/>
@@ -8344,7 +7725,7 @@
         <p:spPr>
           <a:xfrm>
             <a:off x="318713" y="429188"/>
-            <a:ext cx="2251572" cy="307777"/>
+            <a:ext cx="2743200" cy="307777"/>
           </a:xfrm>
           <a:prstGeom prst="rect">
             <a:avLst/>
@@ -8365,19 +7746,15 @@
               </a:spcBef>
             </a:pPr>
             <a:r>
-              <a:rPr lang="en-US" sz="1400" b="1" spc="-10" dirty="0">
+              <a:rPr lang="pt-BR" sz="1400" b="1" dirty="0">
                 <a:solidFill>
                   <a:srgbClr val="020302"/>
                 </a:solidFill>
                 <a:latin typeface="Adobe Clean"/>
                 <a:cs typeface="Adobe Clean"/>
               </a:rPr>
-              <a:t>Business Support Features</a:t>
+              <a:t>Recursos do Suporte Business</a:t>
             </a:r>
-            <a:endParaRPr lang="en-US" sz="1400" dirty="0">
-              <a:latin typeface="Adobe Clean"/>
-              <a:cs typeface="Adobe Clean"/>
-            </a:endParaRPr>
           </a:p>
         </p:txBody>
       </p:sp>
@@ -8414,11 +7791,11 @@
               </a:spcBef>
             </a:pPr>
             <a:r>
-              <a:rPr lang="en-US" sz="1000" dirty="0">
+              <a:rPr lang="pt-BR" sz="1000">
                 <a:latin typeface="Adobe Clean Light" panose="020B0303020404020204" pitchFamily="34" charset="0"/>
                 <a:cs typeface="AdobeClean-Light"/>
               </a:rPr>
-              <a:t>Receive prioritized routing to ensure faster connection to more senior support resources on submitted cases. </a:t>
+              <a:t>Receba encaminhamento priorizado para garantir uma conexão mais rápida com recursos de suporte mais especializados em casos enviados. </a:t>
             </a:r>
           </a:p>
         </p:txBody>
@@ -8439,8 +7816,8 @@
         </p:nvSpPr>
         <p:spPr>
           <a:xfrm>
-            <a:off x="3218164" y="1320426"/>
-            <a:ext cx="1976242" cy="184666"/>
+            <a:off x="3218164" y="1221570"/>
+            <a:ext cx="1976242" cy="369332"/>
           </a:xfrm>
           <a:prstGeom prst="rect">
             <a:avLst/>
@@ -8461,13 +7838,13 @@
               </a:spcAft>
             </a:pPr>
             <a:r>
-              <a:rPr lang="en-US" sz="1200" b="1" spc="-10" dirty="0">
+              <a:rPr lang="pt-BR" sz="1200" b="1" dirty="0">
                 <a:solidFill>
                   <a:srgbClr val="020302"/>
                 </a:solidFill>
                 <a:latin typeface="Adobe Clean" panose="020B0503020404020204" pitchFamily="34" charset="0"/>
               </a:rPr>
-              <a:t>Priority Case Routing</a:t>
+              <a:t>Encaminhamento de caso prioritário</a:t>
             </a:r>
           </a:p>
         </p:txBody>
@@ -8508,15 +7885,11 @@
               </a:spcBef>
             </a:pPr>
             <a:r>
-              <a:rPr lang="en-US" sz="1000" dirty="0">
+              <a:rPr lang="pt-BR" sz="1000">
                 <a:latin typeface="Adobe Clean Light" panose="020B0303020404020204" pitchFamily="34" charset="0"/>
               </a:rPr>
-              <a:t>A designated point of contact within Adobe who can provide escalation assistance, regular updates and ensure priority is given to your most critical open support requests.</a:t>
+              <a:t>Um ponto de contato designado na Adobe que pode fornecer assistência de encaminhamento, atualizações regulares e garantir que seja dada prioridade àquelas solicitações de suporte abertas que forem mais críticas.</a:t>
             </a:r>
-            <a:endParaRPr lang="en-US" sz="1000" dirty="0">
-              <a:latin typeface="Adobe Clean Light" panose="020B0303020404020204" pitchFamily="34" charset="0"/>
-              <a:cs typeface="AdobeClean-Light"/>
-            </a:endParaRPr>
           </a:p>
         </p:txBody>
       </p:sp>
@@ -8536,7 +7909,7 @@
         </p:nvSpPr>
         <p:spPr>
           <a:xfrm>
-            <a:off x="5801129" y="1318056"/>
+            <a:off x="5801129" y="1219200"/>
             <a:ext cx="1608472" cy="184666"/>
           </a:xfrm>
           <a:prstGeom prst="rect">
@@ -8558,13 +7931,13 @@
               </a:spcAft>
             </a:pPr>
             <a:r>
-              <a:rPr lang="en-US" sz="1200" b="1" spc="-10" dirty="0">
+              <a:rPr lang="pt-BR" sz="1200" b="1">
                 <a:solidFill>
                   <a:srgbClr val="020302"/>
                 </a:solidFill>
                 <a:latin typeface="Adobe Clean" panose="020B0503020404020204" pitchFamily="34" charset="0"/>
               </a:rPr>
-              <a:t>Escalation Management</a:t>
+              <a:t>Gestão de encaminhamento</a:t>
             </a:r>
           </a:p>
         </p:txBody>
@@ -8583,8 +7956,8 @@
         </p:nvSpPr>
         <p:spPr>
           <a:xfrm>
-            <a:off x="3183539" y="3615388"/>
-            <a:ext cx="2250745" cy="276999"/>
+            <a:off x="3183539" y="3505200"/>
+            <a:ext cx="2250745" cy="461665"/>
           </a:xfrm>
           <a:prstGeom prst="rect">
             <a:avLst/>
@@ -8598,10 +7971,10 @@
           <a:lstStyle/>
           <a:p>
             <a:r>
-              <a:rPr lang="en-US" sz="1200" b="1" dirty="0">
+              <a:rPr lang="pt-BR" sz="1200" b="1" dirty="0">
                 <a:latin typeface="Adobe Clean" panose="020B0503020404020204" pitchFamily="34" charset="0"/>
               </a:rPr>
-              <a:t>Accelerated Issue Prioritization</a:t>
+              <a:t>Priorização acelerada de problemas</a:t>
             </a:r>
           </a:p>
         </p:txBody>
@@ -8640,11 +8013,11 @@
               <a:defRPr/>
             </a:pPr>
             <a:r>
-              <a:rPr lang="en-US" sz="1000" dirty="0">
+              <a:rPr lang="pt-BR" sz="1000">
                 <a:latin typeface="Adobe Clean Light" panose="020B0303020404020204" pitchFamily="34" charset="0"/>
                 <a:cs typeface="Adobe Clean Light"/>
               </a:rPr>
-              <a:t>Receive higher prioritization on support case work through facilitated engagement with Engineering.</a:t>
+              <a:t>Receba maior priorização no encaminhamento de casos de suporte por meio de um envolvimento maior com a equipe de engenharia.</a:t>
             </a:r>
           </a:p>
         </p:txBody>
@@ -8775,8 +8148,8 @@
         </p:nvSpPr>
         <p:spPr>
           <a:xfrm>
-            <a:off x="869249" y="6535770"/>
-            <a:ext cx="1345945" cy="184666"/>
+            <a:off x="869248" y="6168756"/>
+            <a:ext cx="1645920" cy="184666"/>
           </a:xfrm>
           <a:prstGeom prst="rect">
             <a:avLst/>
@@ -8797,12 +8170,12 @@
               </a:spcAft>
             </a:pPr>
             <a:r>
-              <a:rPr lang="en-US" sz="1200" b="1" dirty="0">
+              <a:rPr lang="pt-BR" sz="1200" b="1" dirty="0">
                 <a:latin typeface="Adobe Clean" panose="020B0503020404020204" pitchFamily="34" charset="0"/>
                 <a:ea typeface="Open Sans" pitchFamily="34" charset="0"/>
                 <a:cs typeface="Open Sans" pitchFamily="34" charset="0"/>
               </a:rPr>
-              <a:t>Community Forums</a:t>
+              <a:t>Fóruns da comunidade</a:t>
             </a:r>
           </a:p>
         </p:txBody>
@@ -8821,8 +8194,8 @@
         </p:nvSpPr>
         <p:spPr>
           <a:xfrm>
-            <a:off x="441718" y="6777939"/>
-            <a:ext cx="2148840" cy="959237"/>
+            <a:off x="441717" y="6425761"/>
+            <a:ext cx="2144571" cy="1267014"/>
           </a:xfrm>
           <a:prstGeom prst="rect">
             <a:avLst/>
@@ -8835,13 +8208,13 @@
           <a:lstStyle/>
           <a:p>
             <a:r>
-              <a:rPr lang="en-US" sz="1000" dirty="0">
+              <a:rPr lang="pt-BR" sz="1000" dirty="0">
                 <a:solidFill>
                   <a:srgbClr val="000000"/>
                 </a:solidFill>
                 <a:latin typeface="Adobe Clean Light" panose="020B0303020404020204" pitchFamily="34" charset="0"/>
               </a:rPr>
-              <a:t>Continuous online access to a growing database of technical solutions, product documentation, FAQs and more. Connect with other customers on Adobe Community to share best practices and lessons learned..</a:t>
+              <a:t>Acesso online contínuo a um banco de dados cada vez maior de soluções técnicas, documentação do produto, perguntas frequentes e muito mais. Conecte-se com outros clientes na Comunidade da Adobe para compartilhar práticas recomendadas e lições aprendidas.</a:t>
             </a:r>
           </a:p>
         </p:txBody>
@@ -8862,7 +8235,7 @@
         </p:nvSpPr>
         <p:spPr>
           <a:xfrm>
-            <a:off x="3375964" y="6534116"/>
+            <a:off x="3375964" y="6181938"/>
             <a:ext cx="1013098" cy="184666"/>
           </a:xfrm>
           <a:prstGeom prst="rect">
@@ -8884,12 +8257,12 @@
               </a:spcAft>
             </a:pPr>
             <a:r>
-              <a:rPr lang="en-US" sz="1200" b="1" dirty="0">
+              <a:rPr lang="pt-BR" sz="1200" b="1">
                 <a:latin typeface="Adobe Clean" panose="020B0503020404020204" pitchFamily="34" charset="0"/>
                 <a:ea typeface="Open Sans" pitchFamily="34" charset="0"/>
                 <a:cs typeface="Open Sans" pitchFamily="34" charset="0"/>
               </a:rPr>
-              <a:t>Self-Help Portal</a:t>
+              <a:t>Portal de autoatendimento</a:t>
             </a:r>
           </a:p>
         </p:txBody>
@@ -8908,7 +8281,7 @@
         </p:nvSpPr>
         <p:spPr>
           <a:xfrm>
-            <a:off x="2930461" y="6767810"/>
+            <a:off x="2930461" y="6415632"/>
             <a:ext cx="2148840" cy="805349"/>
           </a:xfrm>
           <a:prstGeom prst="rect">
@@ -8922,13 +8295,13 @@
           <a:lstStyle/>
           <a:p>
             <a:r>
-              <a:rPr lang="en-US" sz="1000" dirty="0">
+              <a:rPr lang="pt-BR" sz="1000">
                 <a:solidFill>
                   <a:srgbClr val="000000"/>
                 </a:solidFill>
                 <a:latin typeface="Adobe Clean Light" panose="020B0303020404020204" pitchFamily="34" charset="0"/>
               </a:rPr>
-              <a:t>On-demand access to the online Self-help Support Portal review case status, and browse other resources, like our  news and alerts, knowledge base, featured tips, and more.</a:t>
+              <a:t>Acesso sob demanda ao portal de suporte de autoatendimento online para revisar o status do caso e navegar por outros recursos, como nossas notícias e alertas, base de conhecimento, dicas em destaque e muito mais.</a:t>
             </a:r>
           </a:p>
         </p:txBody>
@@ -8947,8 +8320,8 @@
         </p:nvSpPr>
         <p:spPr>
           <a:xfrm>
-            <a:off x="5419204" y="6743263"/>
-            <a:ext cx="2148840" cy="641201"/>
+            <a:off x="5419204" y="6391084"/>
+            <a:ext cx="2057400" cy="1097280"/>
           </a:xfrm>
           <a:prstGeom prst="rect">
             <a:avLst/>
@@ -8972,104 +8345,14 @@
               </a:tabLst>
             </a:pPr>
             <a:r>
-              <a:rPr lang="en-US" sz="1000" spc="-20" dirty="0">
+              <a:rPr lang="pt-BR" sz="1000" dirty="0">
                 <a:solidFill>
                   <a:srgbClr val="020302"/>
                 </a:solidFill>
                 <a:latin typeface="AdobeClean-Light"/>
                 <a:cs typeface="AdobeClean-Light"/>
               </a:rPr>
-              <a:t>Authorized Users (Admins) can start a chat session with Adobe Support </a:t>
-            </a:r>
-            <a:r>
-              <a:rPr lang="en-US" sz="1000" spc="-5" dirty="0">
-                <a:solidFill>
-                  <a:srgbClr val="020302"/>
-                </a:solidFill>
-                <a:latin typeface="AdobeClean-Light"/>
-                <a:cs typeface="AdobeClean-Light"/>
-              </a:rPr>
-              <a:t>to </a:t>
-            </a:r>
-            <a:r>
-              <a:rPr lang="en-US" sz="1000" spc="-10" dirty="0">
-                <a:solidFill>
-                  <a:srgbClr val="020302"/>
-                </a:solidFill>
-                <a:latin typeface="AdobeClean-Light"/>
-                <a:cs typeface="AdobeClean-Light"/>
-              </a:rPr>
-              <a:t>get </a:t>
-            </a:r>
-            <a:r>
-              <a:rPr lang="en-US" sz="1000" spc="-20" dirty="0">
-                <a:solidFill>
-                  <a:srgbClr val="020302"/>
-                </a:solidFill>
-                <a:latin typeface="AdobeClean-Light"/>
-                <a:cs typeface="AdobeClean-Light"/>
-              </a:rPr>
-              <a:t>answers</a:t>
-            </a:r>
-            <a:r>
-              <a:rPr lang="en-US" sz="1000" spc="-45" dirty="0">
-                <a:solidFill>
-                  <a:srgbClr val="020302"/>
-                </a:solidFill>
-                <a:latin typeface="AdobeClean-Light"/>
-                <a:cs typeface="AdobeClean-Light"/>
-              </a:rPr>
-              <a:t> and </a:t>
-            </a:r>
-            <a:r>
-              <a:rPr lang="en-US" sz="1000" spc="-15" dirty="0">
-                <a:solidFill>
-                  <a:srgbClr val="020302"/>
-                </a:solidFill>
-                <a:latin typeface="AdobeClean-Light"/>
-                <a:cs typeface="AdobeClean-Light"/>
-              </a:rPr>
-              <a:t>help </a:t>
-            </a:r>
-            <a:r>
-              <a:rPr lang="en-US" sz="1000" spc="-10" dirty="0">
-                <a:solidFill>
-                  <a:srgbClr val="020302"/>
-                </a:solidFill>
-                <a:latin typeface="AdobeClean-Light"/>
-                <a:cs typeface="AdobeClean-Light"/>
-              </a:rPr>
-              <a:t>with</a:t>
-            </a:r>
-            <a:r>
-              <a:rPr lang="en-US" sz="1000" spc="85" dirty="0">
-                <a:solidFill>
-                  <a:srgbClr val="020302"/>
-                </a:solidFill>
-                <a:latin typeface="AdobeClean-Light"/>
-                <a:cs typeface="AdobeClean-Light"/>
-              </a:rPr>
-              <a:t> </a:t>
-            </a:r>
-            <a:r>
-              <a:rPr lang="en-US" sz="1000" spc="-10" dirty="0">
-                <a:solidFill>
-                  <a:srgbClr val="020302"/>
-                </a:solidFill>
-                <a:latin typeface="AdobeClean-Light"/>
-                <a:cs typeface="AdobeClean-Light"/>
-              </a:rPr>
-              <a:t>case </a:t>
-            </a:r>
-            <a:r>
-              <a:rPr lang="en-US" sz="1000" spc="-20" dirty="0">
-                <a:solidFill>
-                  <a:srgbClr val="020302"/>
-                </a:solidFill>
-                <a:latin typeface="AdobeClean-Light"/>
-                <a:cs typeface="AdobeClean-Light"/>
-              </a:rPr>
-              <a:t>submission.</a:t>
+              <a:t>Usuários autorizados (Admins) podem iniciar uma sessão de bate-papo com o Suporte da Adobe para obter respostas e ajuda com o envio de casos.</a:t>
             </a:r>
           </a:p>
           <a:p>
@@ -9085,19 +8368,15 @@
               </a:tabLst>
             </a:pPr>
             <a:r>
-              <a:rPr lang="en-US" sz="1000" i="1" spc="-10" dirty="0">
+              <a:rPr lang="pt-BR" sz="1000" i="1" dirty="0">
                 <a:solidFill>
                   <a:srgbClr val="7A7A7A"/>
                 </a:solidFill>
                 <a:latin typeface="AdobeClean-LightIt"/>
                 <a:cs typeface="AdobeClean-LightIt"/>
               </a:rPr>
-              <a:t>Subject to local hours</a:t>
+              <a:t>Sujeito ao horário local</a:t>
             </a:r>
-            <a:endParaRPr lang="en-US" sz="1000" dirty="0">
-              <a:latin typeface="AdobeClean-Light"/>
-              <a:cs typeface="AdobeClean-Light"/>
-            </a:endParaRPr>
           </a:p>
         </p:txBody>
       </p:sp>
@@ -9117,7 +8396,7 @@
         </p:nvSpPr>
         <p:spPr>
           <a:xfrm>
-            <a:off x="5940223" y="6534116"/>
+            <a:off x="5940223" y="6181938"/>
             <a:ext cx="841577" cy="184666"/>
           </a:xfrm>
           <a:prstGeom prst="rect">
@@ -9139,12 +8418,12 @@
               </a:spcAft>
             </a:pPr>
             <a:r>
-              <a:rPr lang="en-US" sz="1200" b="1" dirty="0">
+              <a:rPr lang="pt-BR" sz="1200" b="1">
                 <a:latin typeface="Adobe Clean" panose="020B0503020404020204" pitchFamily="34" charset="0"/>
                 <a:ea typeface="Open Sans" pitchFamily="34" charset="0"/>
                 <a:cs typeface="Open Sans" pitchFamily="34" charset="0"/>
               </a:rPr>
-              <a:t>Chat Support</a:t>
+              <a:t>Suporte por chat</a:t>
             </a:r>
           </a:p>
         </p:txBody>
@@ -9187,12 +8466,12 @@
               </a:spcAft>
             </a:pPr>
             <a:r>
-              <a:rPr lang="en-US" sz="1200" b="1" dirty="0">
+              <a:rPr lang="pt-BR" sz="1200" b="1">
                 <a:latin typeface="Adobe Clean" panose="020B0503020404020204" pitchFamily="34" charset="0"/>
                 <a:ea typeface="Open Sans" pitchFamily="34" charset="0"/>
                 <a:cs typeface="Open Sans" pitchFamily="34" charset="0"/>
               </a:rPr>
-              <a:t>Phone Support</a:t>
+              <a:t>Suporte telefônico</a:t>
             </a:r>
           </a:p>
         </p:txBody>
@@ -9225,116 +8504,42 @@
           <a:lstStyle/>
           <a:p>
             <a:r>
-              <a:rPr lang="en-US" sz="1000" dirty="0">
+              <a:rPr lang="pt-BR" sz="1000">
                 <a:solidFill>
                   <a:srgbClr val="020302"/>
                 </a:solidFill>
                 <a:latin typeface="AdobeClean-Light"/>
               </a:rPr>
-              <a:t>Authorized Users (Admins) </a:t>
+              <a:t>Usuários autorizados (administradores) </a:t>
             </a:r>
             <a:r>
-              <a:rPr lang="en-US" sz="1000" dirty="0">
+              <a:rPr lang="pt-BR" sz="1000">
                 <a:latin typeface="Adobe Clean Light"/>
               </a:rPr>
-              <a:t>can call Adobe Support via phone </a:t>
+              <a:t>podem ligar para o suporte da Adobe </a:t>
             </a:r>
             <a:r>
-              <a:rPr lang="en-US" sz="1000" spc="-5" dirty="0">
+              <a:rPr lang="pt-BR" sz="1000">
                 <a:solidFill>
                   <a:srgbClr val="020302"/>
                 </a:solidFill>
                 <a:latin typeface="AdobeClean-Light"/>
                 <a:cs typeface="AdobeClean-Light"/>
               </a:rPr>
-              <a:t>to </a:t>
-            </a:r>
-            <a:r>
-              <a:rPr lang="en-US" sz="1000" spc="-10" dirty="0">
-                <a:solidFill>
-                  <a:srgbClr val="020302"/>
-                </a:solidFill>
-                <a:latin typeface="AdobeClean-Light"/>
-                <a:cs typeface="AdobeClean-Light"/>
-              </a:rPr>
-              <a:t>get </a:t>
-            </a:r>
-            <a:r>
-              <a:rPr lang="en-US" sz="1000" spc="-20" dirty="0">
-                <a:solidFill>
-                  <a:srgbClr val="020302"/>
-                </a:solidFill>
-                <a:latin typeface="AdobeClean-Light"/>
-                <a:cs typeface="AdobeClean-Light"/>
-              </a:rPr>
-              <a:t>answers</a:t>
-            </a:r>
-            <a:r>
-              <a:rPr lang="en-US" sz="1000" spc="-45" dirty="0">
-                <a:solidFill>
-                  <a:srgbClr val="020302"/>
-                </a:solidFill>
-                <a:latin typeface="AdobeClean-Light"/>
-                <a:cs typeface="AdobeClean-Light"/>
-              </a:rPr>
-              <a:t> and</a:t>
-            </a:r>
-            <a:r>
-              <a:rPr lang="en-US" sz="1000" dirty="0">
-                <a:solidFill>
-                  <a:srgbClr val="020302"/>
-                </a:solidFill>
-                <a:latin typeface="AdobeClean-Light"/>
-                <a:cs typeface="AdobeClean-Light"/>
-              </a:rPr>
-              <a:t> </a:t>
-            </a:r>
-            <a:r>
-              <a:rPr lang="en-US" sz="1000" spc="-15" dirty="0">
-                <a:solidFill>
-                  <a:srgbClr val="020302"/>
-                </a:solidFill>
-                <a:latin typeface="AdobeClean-Light"/>
-                <a:cs typeface="AdobeClean-Light"/>
-              </a:rPr>
-              <a:t>help </a:t>
-            </a:r>
-            <a:r>
-              <a:rPr lang="en-US" sz="1000" spc="-10" dirty="0">
-                <a:solidFill>
-                  <a:srgbClr val="020302"/>
-                </a:solidFill>
-                <a:latin typeface="AdobeClean-Light"/>
-                <a:cs typeface="AdobeClean-Light"/>
-              </a:rPr>
-              <a:t>with case </a:t>
-            </a:r>
-            <a:r>
-              <a:rPr lang="en-US" sz="1000" spc="-20" dirty="0">
-                <a:solidFill>
-                  <a:srgbClr val="020302"/>
-                </a:solidFill>
-                <a:latin typeface="AdobeClean-Light"/>
-                <a:cs typeface="AdobeClean-Light"/>
-              </a:rPr>
-              <a:t>submission.</a:t>
+              <a:t>para obter respostas e ajuda com o envio de casos.</a:t>
             </a:r>
           </a:p>
           <a:p>
             <a:r>
-              <a:rPr lang="en-US" sz="1000" i="1" spc="-10" dirty="0">
+              <a:rPr lang="pt-BR" sz="1000" i="1">
                 <a:solidFill>
                   <a:srgbClr val="7A7A7A"/>
                 </a:solidFill>
                 <a:latin typeface="Adobe Clean Light" panose="020B0303020404020204" pitchFamily="34" charset="0"/>
                 <a:cs typeface="AdobeClean-LightIt"/>
               </a:rPr>
-              <a:t>Subject to local hours</a:t>
+              <a:t>Sujeito ao horário local</a:t>
             </a:r>
-            <a:endParaRPr lang="en-US" sz="1000" i="1" dirty="0">
-              <a:latin typeface="Adobe Clean Light" panose="020B0303020404020204" pitchFamily="34" charset="0"/>
-              <a:cs typeface="AdobeClean-Light"/>
-            </a:endParaRPr>
           </a:p>
         </p:txBody>
       </p:sp>
@@ -9376,12 +8581,12 @@
               </a:spcAft>
             </a:pPr>
             <a:r>
-              <a:rPr lang="en-US" sz="1200" b="1" dirty="0">
+              <a:rPr lang="pt-BR" sz="1200" b="1">
                 <a:latin typeface="Adobe Clean" panose="020B0503020404020204" pitchFamily="34" charset="0"/>
                 <a:ea typeface="Open Sans" pitchFamily="34" charset="0"/>
                 <a:cs typeface="Open Sans" pitchFamily="34" charset="0"/>
               </a:rPr>
-              <a:t>Web Case Submission</a:t>
+              <a:t>Envio de caso pela Web</a:t>
             </a:r>
           </a:p>
         </p:txBody>
@@ -9414,26 +8619,20 @@
           <a:lstStyle/>
           <a:p>
             <a:r>
-              <a:rPr lang="en-US" sz="1000" dirty="0">
+              <a:rPr lang="pt-BR" sz="1000">
                 <a:solidFill>
                   <a:srgbClr val="020302"/>
                 </a:solidFill>
                 <a:latin typeface="AdobeClean-Light"/>
               </a:rPr>
-              <a:t>Authorized Users (Admins) </a:t>
+              <a:t>Usuários autorizados (Admins) </a:t>
             </a:r>
             <a:r>
-              <a:rPr lang="en-US" sz="1000" dirty="0">
+              <a:rPr lang="pt-BR" sz="1000">
                 <a:latin typeface="Adobe Clean Light"/>
               </a:rPr>
-              <a:t>can submit unlimited web cases at any time for support issues for review by our technical support team.</a:t>
+              <a:t>podem enviar casos pela Web ilimitados a qualquer momento para obter suporte da nossa equipe de suporte técnico.</a:t>
             </a:r>
-            <a:endParaRPr lang="en-US" sz="1000" dirty="0">
-              <a:solidFill>
-                <a:srgbClr val="000000"/>
-              </a:solidFill>
-              <a:latin typeface="Adobe Clean Light"/>
-            </a:endParaRPr>
           </a:p>
         </p:txBody>
       </p:sp>
@@ -9546,7 +8745,7 @@
         </p:blipFill>
         <p:spPr>
           <a:xfrm>
-            <a:off x="5489424" y="6371978"/>
+            <a:off x="5489424" y="6019800"/>
             <a:ext cx="365760" cy="365760"/>
           </a:xfrm>
           <a:prstGeom prst="rect">
@@ -9585,7 +8784,7 @@
         </p:blipFill>
         <p:spPr>
           <a:xfrm>
-            <a:off x="438430" y="6427947"/>
+            <a:off x="438430" y="6075769"/>
             <a:ext cx="365760" cy="365760"/>
           </a:xfrm>
           <a:prstGeom prst="rect">
@@ -9624,7 +8823,7 @@
         </p:blipFill>
         <p:spPr>
           <a:xfrm>
-            <a:off x="2926191" y="6427947"/>
+            <a:off x="2926191" y="6075769"/>
             <a:ext cx="365760" cy="365760"/>
           </a:xfrm>
           <a:prstGeom prst="rect">
@@ -9829,7 +9028,7 @@
         <p:spPr>
           <a:xfrm>
             <a:off x="97788" y="9888626"/>
-            <a:ext cx="2245360" cy="133370"/>
+            <a:ext cx="3291840" cy="133370"/>
           </a:xfrm>
           <a:prstGeom prst="rect">
             <a:avLst/>
@@ -9941,36 +9140,8 @@
               </a:spcBef>
             </a:pPr>
             <a:r>
-              <a:rPr lang="en-US" spc="-10" dirty="0"/>
-              <a:t>©202</a:t>
-            </a:r>
-            <a:r>
-              <a:rPr lang="en-US" spc="-5" dirty="0"/>
-              <a:t>2 Adobe. All</a:t>
-            </a:r>
-            <a:r>
-              <a:rPr lang="en-US" spc="-10" dirty="0"/>
-              <a:t> Rights</a:t>
-            </a:r>
-            <a:r>
-              <a:rPr lang="en-US" spc="-5" dirty="0"/>
-              <a:t> </a:t>
-            </a:r>
-            <a:r>
-              <a:rPr lang="en-US" spc="-10" dirty="0"/>
-              <a:t>Reserved.</a:t>
-            </a:r>
-            <a:r>
-              <a:rPr lang="en-US" spc="-5" dirty="0"/>
-              <a:t> Adobe</a:t>
-            </a:r>
-            <a:r>
-              <a:rPr lang="en-US" spc="60" dirty="0"/>
-              <a:t> </a:t>
-            </a:r>
-            <a:r>
-              <a:rPr lang="en-US" spc="-10" dirty="0"/>
-              <a:t>Confidential.</a:t>
+              <a:rPr lang="pt-BR" dirty="0"/>
+              <a:t>©2022 Adobe. All Rights Reserved. Adobe Confidential.</a:t>
             </a:r>
           </a:p>
         </p:txBody>
@@ -10027,49 +9198,15 @@
               </a:lnSpc>
             </a:pPr>
             <a:r>
-              <a:rPr sz="500" spc="-5" dirty="0">
+              <a:rPr lang="pt-BR" sz="500">
                 <a:solidFill>
                   <a:srgbClr val="6C6C6C"/>
                 </a:solidFill>
                 <a:latin typeface="Adobe Clean"/>
                 <a:cs typeface="Adobe Clean"/>
               </a:rPr>
-              <a:t>©2020 Adobe. All Rights Reserved. </a:t>
+              <a:t>©2020 Adobe. All Rights Reserved. Adobe Confidential.</a:t>
             </a:r>
-            <a:r>
-              <a:rPr sz="500" dirty="0">
-                <a:solidFill>
-                  <a:srgbClr val="6C6C6C"/>
-                </a:solidFill>
-                <a:latin typeface="Adobe Clean"/>
-                <a:cs typeface="Adobe Clean"/>
-              </a:rPr>
-              <a:t>Adobe</a:t>
-            </a:r>
-            <a:r>
-              <a:rPr sz="500" spc="5" dirty="0">
-                <a:solidFill>
-                  <a:srgbClr val="6C6C6C"/>
-                </a:solidFill>
-                <a:latin typeface="Adobe Clean"/>
-                <a:cs typeface="Adobe Clean"/>
-              </a:rPr>
-              <a:t> </a:t>
-            </a:r>
-            <a:r>
-              <a:rPr sz="500" spc="-5" dirty="0">
-                <a:solidFill>
-                  <a:srgbClr val="6C6C6C"/>
-                </a:solidFill>
-                <a:latin typeface="Adobe Clean"/>
-                <a:cs typeface="Adobe Clean"/>
-              </a:rPr>
-              <a:t>Confidential.</a:t>
-            </a:r>
-            <a:endParaRPr sz="500">
-              <a:latin typeface="Adobe Clean"/>
-              <a:cs typeface="Adobe Clean"/>
-            </a:endParaRPr>
           </a:p>
           <a:p>
             <a:pPr>
@@ -10095,39 +9232,15 @@
               </a:spcBef>
             </a:pPr>
             <a:r>
-              <a:rPr sz="800" spc="-5" dirty="0">
+              <a:rPr lang="pt-BR" sz="800">
                 <a:solidFill>
                   <a:srgbClr val="6D6D6D"/>
                 </a:solidFill>
                 <a:latin typeface="Adobe Clean"/>
                 <a:cs typeface="Adobe Clean"/>
               </a:rPr>
-              <a:t>©2020 Adobe. All Rights Reserved. Adobe</a:t>
+              <a:t>©2020 Adobe. All Rights Reserved. Adobe Confidential.</a:t>
             </a:r>
-            <a:r>
-              <a:rPr sz="800" spc="75" dirty="0">
-                <a:solidFill>
-                  <a:srgbClr val="6D6D6D"/>
-                </a:solidFill>
-                <a:latin typeface="Adobe Clean"/>
-                <a:cs typeface="Adobe Clean"/>
-              </a:rPr>
-              <a:t> </a:t>
-            </a:r>
-            <a:r>
-              <a:rPr sz="800" spc="-5" dirty="0">
-                <a:solidFill>
-                  <a:srgbClr val="6D6D6D"/>
-                </a:solidFill>
-                <a:latin typeface="Adobe Clean"/>
-                <a:cs typeface="Adobe Clean"/>
-              </a:rPr>
-              <a:t>Confidential.</a:t>
-            </a:r>
-            <a:endParaRPr sz="800">
-              <a:latin typeface="Adobe Clean"/>
-              <a:cs typeface="Adobe Clean"/>
-            </a:endParaRPr>
           </a:p>
         </p:txBody>
       </p:sp>
@@ -10211,19 +9324,15 @@
               </a:spcBef>
             </a:pPr>
             <a:r>
-              <a:rPr lang="en-US" sz="1400" b="1" spc="-15" dirty="0">
+              <a:rPr lang="pt-BR" sz="1400" b="1">
                 <a:solidFill>
                   <a:srgbClr val="020302"/>
                 </a:solidFill>
                 <a:latin typeface="Adobe Clean"/>
                 <a:cs typeface="Adobe Clean"/>
               </a:rPr>
-              <a:t>Resources</a:t>
+              <a:t>Recursos</a:t>
             </a:r>
-            <a:endParaRPr sz="1400" dirty="0">
-              <a:latin typeface="Adobe Clean"/>
-              <a:cs typeface="Adobe Clean"/>
-            </a:endParaRPr>
           </a:p>
         </p:txBody>
       </p:sp>
@@ -10257,7 +9366,7 @@
               </a:spcBef>
             </a:pPr>
             <a:r>
-              <a:rPr sz="800" spc="-15" dirty="0">
+              <a:rPr lang="pt-BR" sz="800">
                 <a:solidFill>
                   <a:srgbClr val="777879"/>
                 </a:solidFill>
@@ -10266,10 +9375,6 @@
               </a:rPr>
               <a:t>Adobe</a:t>
             </a:r>
-            <a:endParaRPr sz="800">
-              <a:latin typeface="Adobe Clean"/>
-              <a:cs typeface="Adobe Clean"/>
-            </a:endParaRPr>
           </a:p>
           <a:p>
             <a:pPr marL="12700">
@@ -10278,39 +9383,15 @@
               </a:lnSpc>
             </a:pPr>
             <a:r>
-              <a:rPr sz="800" spc="-15" dirty="0">
+              <a:rPr lang="pt-BR" sz="800">
                 <a:solidFill>
                   <a:srgbClr val="777879"/>
                 </a:solidFill>
                 <a:latin typeface="Adobe Clean"/>
                 <a:cs typeface="Adobe Clean"/>
               </a:rPr>
-              <a:t>345 Park</a:t>
+              <a:t>345 Park Avenue</a:t>
             </a:r>
-            <a:r>
-              <a:rPr sz="800" spc="-100" dirty="0">
-                <a:solidFill>
-                  <a:srgbClr val="777879"/>
-                </a:solidFill>
-                <a:latin typeface="Adobe Clean"/>
-                <a:cs typeface="Adobe Clean"/>
-              </a:rPr>
-              <a:t> </a:t>
-            </a:r>
-            <a:r>
-              <a:rPr sz="800" spc="-15" dirty="0">
-                <a:solidFill>
-                  <a:srgbClr val="777879"/>
-                </a:solidFill>
-                <a:latin typeface="Adobe Clean"/>
-                <a:cs typeface="Adobe Clean"/>
-              </a:rPr>
-              <a:t>Avenue</a:t>
-            </a:r>
-            <a:endParaRPr sz="800">
-              <a:latin typeface="Adobe Clean"/>
-              <a:cs typeface="Adobe Clean"/>
-            </a:endParaRPr>
           </a:p>
           <a:p>
             <a:pPr marL="12700">
@@ -10319,49 +9400,15 @@
               </a:lnSpc>
             </a:pPr>
             <a:r>
-              <a:rPr sz="800" spc="-10" dirty="0">
+              <a:rPr lang="pt-BR" sz="800">
                 <a:solidFill>
                   <a:srgbClr val="777879"/>
                 </a:solidFill>
                 <a:latin typeface="Adobe Clean"/>
                 <a:cs typeface="Adobe Clean"/>
               </a:rPr>
-              <a:t>San </a:t>
+              <a:t>San Jose, CA95110-2704</a:t>
             </a:r>
-            <a:r>
-              <a:rPr sz="800" spc="-15" dirty="0">
-                <a:solidFill>
-                  <a:srgbClr val="777879"/>
-                </a:solidFill>
-                <a:latin typeface="Adobe Clean"/>
-                <a:cs typeface="Adobe Clean"/>
-              </a:rPr>
-              <a:t>Jose,</a:t>
-            </a:r>
-            <a:r>
-              <a:rPr sz="800" spc="-140" dirty="0">
-                <a:solidFill>
-                  <a:srgbClr val="777879"/>
-                </a:solidFill>
-                <a:latin typeface="Adobe Clean"/>
-                <a:cs typeface="Adobe Clean"/>
-              </a:rPr>
-              <a:t> </a:t>
-            </a:r>
-            <a:r>
-              <a:rPr sz="800" spc="-20" dirty="0">
-                <a:solidFill>
-                  <a:srgbClr val="777879"/>
-                </a:solidFill>
-                <a:latin typeface="Adobe Clean"/>
-                <a:cs typeface="Adobe Clean"/>
-              </a:rPr>
-              <a:t>CA95110-2704</a:t>
-            </a:r>
-            <a:endParaRPr sz="800">
-              <a:latin typeface="Adobe Clean"/>
-              <a:cs typeface="Adobe Clean"/>
-            </a:endParaRPr>
           </a:p>
           <a:p>
             <a:pPr marL="12700">
@@ -10373,7 +9420,7 @@
               </a:spcBef>
             </a:pPr>
             <a:r>
-              <a:rPr sz="800" spc="-10" dirty="0">
+              <a:rPr lang="pt-BR" sz="800">
                 <a:solidFill>
                   <a:srgbClr val="777879"/>
                 </a:solidFill>
@@ -10382,10 +9429,6 @@
               </a:rPr>
               <a:t>USA</a:t>
             </a:r>
-            <a:endParaRPr sz="800">
-              <a:latin typeface="Adobe Clean"/>
-              <a:cs typeface="Adobe Clean"/>
-            </a:endParaRPr>
           </a:p>
           <a:p>
             <a:pPr marL="12700">
@@ -10397,7 +9440,7 @@
               </a:spcBef>
             </a:pPr>
             <a:r>
-              <a:rPr sz="800" u="sng" spc="-25" dirty="0">
+              <a:rPr lang="pt-BR" sz="800" u="sng">
                 <a:solidFill>
                   <a:srgbClr val="5F5F5F"/>
                 </a:solidFill>
@@ -10408,14 +9451,10 @@
                 </a:uFill>
                 <a:latin typeface="Adobe Clean"/>
                 <a:cs typeface="Adobe Clean"/>
-                <a:hlinkClick r:id="rId4"/>
+                <a:hlinkClick r:id="rId3"/>
               </a:rPr>
               <a:t>www.adobe.com</a:t>
             </a:r>
-            <a:endParaRPr sz="800">
-              <a:latin typeface="Adobe Clean"/>
-              <a:cs typeface="Adobe Clean"/>
-            </a:endParaRPr>
           </a:p>
         </p:txBody>
       </p:sp>
@@ -10434,7 +9473,7 @@
             <a:avLst/>
           </a:prstGeom>
           <a:blipFill>
-            <a:blip r:embed="rId5" cstate="print"/>
+            <a:blip r:embed="rId4" cstate="print"/>
             <a:stretch>
               <a:fillRect/>
             </a:stretch>
@@ -10546,7 +9585,7 @@
             <a:avLst/>
           </a:prstGeom>
           <a:blipFill>
-            <a:blip r:embed="rId6" cstate="print"/>
+            <a:blip r:embed="rId5" cstate="print"/>
             <a:stretch>
               <a:fillRect/>
             </a:stretch>
@@ -10569,7 +9608,7 @@
         <p:spPr>
           <a:xfrm>
             <a:off x="75947" y="9437110"/>
-            <a:ext cx="5466715" cy="570865"/>
+            <a:ext cx="5896662" cy="563616"/>
           </a:xfrm>
           <a:prstGeom prst="rect">
             <a:avLst/>
@@ -10590,439 +9629,15 @@
               </a:spcBef>
             </a:pPr>
             <a:r>
-              <a:rPr sz="1100" i="1" spc="-10" dirty="0">
+              <a:rPr lang="pt-BR" sz="1100" i="1" dirty="0">
                 <a:solidFill>
                   <a:srgbClr val="777879"/>
                 </a:solidFill>
                 <a:latin typeface="AdobeClean-LightIt"/>
                 <a:cs typeface="AdobeClean-LightIt"/>
               </a:rPr>
-              <a:t>To</a:t>
+              <a:t>Para saber mais sobre os Serviços de suporte Adobe e identificar o nível certo para você, entre em contato com o seu Gerente de conta nomeado (NAM, em inglês) ou Gerente de sucesso do cliente (CSM, em inglês).</a:t>
             </a:r>
-            <a:r>
-              <a:rPr sz="1100" i="1" spc="-50" dirty="0">
-                <a:solidFill>
-                  <a:srgbClr val="777879"/>
-                </a:solidFill>
-                <a:latin typeface="AdobeClean-LightIt"/>
-                <a:cs typeface="AdobeClean-LightIt"/>
-              </a:rPr>
-              <a:t> </a:t>
-            </a:r>
-            <a:r>
-              <a:rPr sz="1100" i="1" spc="-15" dirty="0">
-                <a:solidFill>
-                  <a:srgbClr val="777879"/>
-                </a:solidFill>
-                <a:latin typeface="AdobeClean-LightIt"/>
-                <a:cs typeface="AdobeClean-LightIt"/>
-              </a:rPr>
-              <a:t>learn</a:t>
-            </a:r>
-            <a:r>
-              <a:rPr sz="1100" i="1" spc="-40" dirty="0">
-                <a:solidFill>
-                  <a:srgbClr val="777879"/>
-                </a:solidFill>
-                <a:latin typeface="AdobeClean-LightIt"/>
-                <a:cs typeface="AdobeClean-LightIt"/>
-              </a:rPr>
-              <a:t> </a:t>
-            </a:r>
-            <a:r>
-              <a:rPr sz="1100" i="1" spc="-15" dirty="0">
-                <a:solidFill>
-                  <a:srgbClr val="777879"/>
-                </a:solidFill>
-                <a:latin typeface="AdobeClean-LightIt"/>
-                <a:cs typeface="AdobeClean-LightIt"/>
-              </a:rPr>
-              <a:t>more</a:t>
-            </a:r>
-            <a:r>
-              <a:rPr sz="1100" i="1" spc="-45" dirty="0">
-                <a:solidFill>
-                  <a:srgbClr val="777879"/>
-                </a:solidFill>
-                <a:latin typeface="AdobeClean-LightIt"/>
-                <a:cs typeface="AdobeClean-LightIt"/>
-              </a:rPr>
-              <a:t> </a:t>
-            </a:r>
-            <a:r>
-              <a:rPr sz="1100" i="1" spc="-15" dirty="0">
-                <a:solidFill>
-                  <a:srgbClr val="777879"/>
-                </a:solidFill>
-                <a:latin typeface="AdobeClean-LightIt"/>
-                <a:cs typeface="AdobeClean-LightIt"/>
-              </a:rPr>
-              <a:t>about</a:t>
-            </a:r>
-            <a:r>
-              <a:rPr sz="1100" i="1" spc="-45" dirty="0">
-                <a:solidFill>
-                  <a:srgbClr val="777879"/>
-                </a:solidFill>
-                <a:latin typeface="AdobeClean-LightIt"/>
-                <a:cs typeface="AdobeClean-LightIt"/>
-              </a:rPr>
-              <a:t> </a:t>
-            </a:r>
-            <a:r>
-              <a:rPr sz="1100" i="1" spc="-15" dirty="0">
-                <a:solidFill>
-                  <a:srgbClr val="777879"/>
-                </a:solidFill>
-                <a:latin typeface="AdobeClean-LightIt"/>
-                <a:cs typeface="AdobeClean-LightIt"/>
-              </a:rPr>
-              <a:t>Adobe</a:t>
-            </a:r>
-            <a:r>
-              <a:rPr sz="1100" i="1" spc="-50" dirty="0">
-                <a:solidFill>
-                  <a:srgbClr val="777879"/>
-                </a:solidFill>
-                <a:latin typeface="AdobeClean-LightIt"/>
-                <a:cs typeface="AdobeClean-LightIt"/>
-              </a:rPr>
-              <a:t> </a:t>
-            </a:r>
-            <a:r>
-              <a:rPr sz="1100" i="1" spc="-15" dirty="0">
-                <a:solidFill>
-                  <a:srgbClr val="777879"/>
-                </a:solidFill>
-                <a:latin typeface="AdobeClean-LightIt"/>
-                <a:cs typeface="AdobeClean-LightIt"/>
-              </a:rPr>
-              <a:t>Support</a:t>
-            </a:r>
-            <a:r>
-              <a:rPr lang="en-US" sz="1100" i="1" spc="-15" dirty="0">
-                <a:solidFill>
-                  <a:srgbClr val="777879"/>
-                </a:solidFill>
-                <a:latin typeface="AdobeClean-LightIt"/>
-                <a:cs typeface="AdobeClean-LightIt"/>
-              </a:rPr>
-              <a:t> Offerings</a:t>
-            </a:r>
-            <a:r>
-              <a:rPr sz="1100" i="1" spc="-75" dirty="0">
-                <a:solidFill>
-                  <a:srgbClr val="777879"/>
-                </a:solidFill>
-                <a:latin typeface="AdobeClean-LightIt"/>
-                <a:cs typeface="AdobeClean-LightIt"/>
-              </a:rPr>
-              <a:t> </a:t>
-            </a:r>
-            <a:r>
-              <a:rPr sz="1100" i="1" spc="-15" dirty="0">
-                <a:solidFill>
-                  <a:srgbClr val="777879"/>
-                </a:solidFill>
-                <a:latin typeface="AdobeClean-LightIt"/>
-                <a:cs typeface="AdobeClean-LightIt"/>
-              </a:rPr>
-              <a:t>and</a:t>
-            </a:r>
-            <a:r>
-              <a:rPr sz="1100" i="1" spc="-50" dirty="0">
-                <a:solidFill>
-                  <a:srgbClr val="777879"/>
-                </a:solidFill>
-                <a:latin typeface="AdobeClean-LightIt"/>
-                <a:cs typeface="AdobeClean-LightIt"/>
-              </a:rPr>
-              <a:t> </a:t>
-            </a:r>
-            <a:r>
-              <a:rPr sz="1100" i="1" spc="-15" dirty="0">
-                <a:solidFill>
-                  <a:srgbClr val="777879"/>
-                </a:solidFill>
-                <a:latin typeface="AdobeClean-LightIt"/>
-                <a:cs typeface="AdobeClean-LightIt"/>
-              </a:rPr>
-              <a:t>the</a:t>
-            </a:r>
-            <a:r>
-              <a:rPr sz="1100" i="1" spc="-55" dirty="0">
-                <a:solidFill>
-                  <a:srgbClr val="777879"/>
-                </a:solidFill>
-                <a:latin typeface="AdobeClean-LightIt"/>
-                <a:cs typeface="AdobeClean-LightIt"/>
-              </a:rPr>
-              <a:t> </a:t>
-            </a:r>
-            <a:r>
-              <a:rPr sz="1100" i="1" spc="-15" dirty="0">
-                <a:solidFill>
-                  <a:srgbClr val="777879"/>
-                </a:solidFill>
-                <a:latin typeface="AdobeClean-LightIt"/>
-                <a:cs typeface="AdobeClean-LightIt"/>
-              </a:rPr>
-              <a:t>right</a:t>
-            </a:r>
-            <a:r>
-              <a:rPr sz="1100" i="1" spc="-95" dirty="0">
-                <a:solidFill>
-                  <a:srgbClr val="777879"/>
-                </a:solidFill>
-                <a:latin typeface="AdobeClean-LightIt"/>
-                <a:cs typeface="AdobeClean-LightIt"/>
-              </a:rPr>
-              <a:t> </a:t>
-            </a:r>
-            <a:r>
-              <a:rPr sz="1100" i="1" spc="-15" dirty="0">
-                <a:solidFill>
-                  <a:srgbClr val="777879"/>
-                </a:solidFill>
-                <a:latin typeface="AdobeClean-LightIt"/>
-                <a:cs typeface="AdobeClean-LightIt"/>
-              </a:rPr>
-              <a:t>level</a:t>
-            </a:r>
-            <a:r>
-              <a:rPr sz="1100" i="1" spc="-55" dirty="0">
-                <a:solidFill>
-                  <a:srgbClr val="777879"/>
-                </a:solidFill>
-                <a:latin typeface="AdobeClean-LightIt"/>
-                <a:cs typeface="AdobeClean-LightIt"/>
-              </a:rPr>
-              <a:t> </a:t>
-            </a:r>
-            <a:r>
-              <a:rPr sz="1100" i="1" spc="-15" dirty="0">
-                <a:solidFill>
-                  <a:srgbClr val="777879"/>
-                </a:solidFill>
-                <a:latin typeface="AdobeClean-LightIt"/>
-                <a:cs typeface="AdobeClean-LightIt"/>
-              </a:rPr>
-              <a:t>for</a:t>
-            </a:r>
-            <a:r>
-              <a:rPr sz="1100" i="1" spc="-85" dirty="0">
-                <a:solidFill>
-                  <a:srgbClr val="777879"/>
-                </a:solidFill>
-                <a:latin typeface="AdobeClean-LightIt"/>
-                <a:cs typeface="AdobeClean-LightIt"/>
-              </a:rPr>
-              <a:t> </a:t>
-            </a:r>
-            <a:r>
-              <a:rPr sz="1100" i="1" spc="-15" dirty="0">
-                <a:solidFill>
-                  <a:srgbClr val="777879"/>
-                </a:solidFill>
-                <a:latin typeface="AdobeClean-LightIt"/>
-                <a:cs typeface="AdobeClean-LightIt"/>
-              </a:rPr>
-              <a:t>you,</a:t>
-            </a:r>
-            <a:r>
-              <a:rPr sz="1100" i="1" spc="-65" dirty="0">
-                <a:solidFill>
-                  <a:srgbClr val="777879"/>
-                </a:solidFill>
-                <a:latin typeface="AdobeClean-LightIt"/>
-                <a:cs typeface="AdobeClean-LightIt"/>
-              </a:rPr>
-              <a:t> </a:t>
-            </a:r>
-            <a:r>
-              <a:rPr sz="1100" i="1" spc="-15" dirty="0">
-                <a:solidFill>
-                  <a:srgbClr val="777879"/>
-                </a:solidFill>
-                <a:latin typeface="AdobeClean-LightIt"/>
-                <a:cs typeface="AdobeClean-LightIt"/>
-              </a:rPr>
-              <a:t>contact</a:t>
-            </a:r>
-            <a:r>
-              <a:rPr sz="1100" i="1" spc="-85" dirty="0">
-                <a:solidFill>
-                  <a:srgbClr val="777879"/>
-                </a:solidFill>
-                <a:latin typeface="AdobeClean-LightIt"/>
-                <a:cs typeface="AdobeClean-LightIt"/>
-              </a:rPr>
-              <a:t> </a:t>
-            </a:r>
-            <a:r>
-              <a:rPr sz="1100" i="1" spc="-15" dirty="0">
-                <a:solidFill>
-                  <a:srgbClr val="777879"/>
-                </a:solidFill>
-                <a:latin typeface="AdobeClean-LightIt"/>
-                <a:cs typeface="AdobeClean-LightIt"/>
-              </a:rPr>
-              <a:t>your</a:t>
-            </a:r>
-            <a:r>
-              <a:rPr sz="1100" i="1" spc="-70" dirty="0">
-                <a:solidFill>
-                  <a:srgbClr val="777879"/>
-                </a:solidFill>
-                <a:latin typeface="AdobeClean-LightIt"/>
-                <a:cs typeface="AdobeClean-LightIt"/>
-              </a:rPr>
-              <a:t> </a:t>
-            </a:r>
-            <a:r>
-              <a:rPr sz="1100" i="1" spc="-15" dirty="0">
-                <a:solidFill>
-                  <a:srgbClr val="777879"/>
-                </a:solidFill>
-                <a:latin typeface="AdobeClean-LightIt"/>
-                <a:cs typeface="AdobeClean-LightIt"/>
-              </a:rPr>
-              <a:t>Named</a:t>
-            </a:r>
-            <a:r>
-              <a:rPr sz="1100" i="1" spc="-55" dirty="0">
-                <a:solidFill>
-                  <a:srgbClr val="777879"/>
-                </a:solidFill>
-                <a:latin typeface="AdobeClean-LightIt"/>
-                <a:cs typeface="AdobeClean-LightIt"/>
-              </a:rPr>
-              <a:t> </a:t>
-            </a:r>
-            <a:r>
-              <a:rPr sz="1100" i="1" spc="-25" dirty="0">
-                <a:solidFill>
-                  <a:srgbClr val="777879"/>
-                </a:solidFill>
-                <a:latin typeface="AdobeClean-LightIt"/>
-                <a:cs typeface="AdobeClean-LightIt"/>
-              </a:rPr>
-              <a:t>Account</a:t>
-            </a:r>
-            <a:r>
-              <a:rPr sz="1100" i="1" spc="-120" dirty="0">
-                <a:solidFill>
-                  <a:srgbClr val="777879"/>
-                </a:solidFill>
-                <a:latin typeface="AdobeClean-LightIt"/>
-                <a:cs typeface="AdobeClean-LightIt"/>
-              </a:rPr>
-              <a:t> </a:t>
-            </a:r>
-            <a:r>
-              <a:rPr sz="1100" i="1" spc="-20" dirty="0">
-                <a:solidFill>
-                  <a:srgbClr val="777879"/>
-                </a:solidFill>
-                <a:latin typeface="AdobeClean-LightIt"/>
-                <a:cs typeface="AdobeClean-LightIt"/>
-              </a:rPr>
-              <a:t>Manager </a:t>
-            </a:r>
-            <a:r>
-              <a:rPr sz="1100" i="1" spc="-15" dirty="0">
-                <a:solidFill>
-                  <a:srgbClr val="777879"/>
-                </a:solidFill>
-                <a:latin typeface="AdobeClean-LightIt"/>
-                <a:cs typeface="AdobeClean-LightIt"/>
-              </a:rPr>
-              <a:t>(NAM) </a:t>
-            </a:r>
-            <a:r>
-              <a:rPr sz="1100" i="1" spc="-10" dirty="0">
-                <a:solidFill>
-                  <a:srgbClr val="777879"/>
-                </a:solidFill>
-                <a:latin typeface="AdobeClean-LightIt"/>
-                <a:cs typeface="AdobeClean-LightIt"/>
-              </a:rPr>
-              <a:t>or </a:t>
-            </a:r>
-            <a:r>
-              <a:rPr sz="1100" i="1" spc="-15" dirty="0">
-                <a:solidFill>
-                  <a:srgbClr val="777879"/>
-                </a:solidFill>
-                <a:latin typeface="AdobeClean-LightIt"/>
-                <a:cs typeface="AdobeClean-LightIt"/>
-              </a:rPr>
-              <a:t>Customer </a:t>
-            </a:r>
-            <a:r>
-              <a:rPr sz="1100" i="1" spc="-20" dirty="0">
-                <a:solidFill>
-                  <a:srgbClr val="777879"/>
-                </a:solidFill>
-                <a:latin typeface="AdobeClean-LightIt"/>
-                <a:cs typeface="AdobeClean-LightIt"/>
-              </a:rPr>
-              <a:t>Success</a:t>
-            </a:r>
-            <a:r>
-              <a:rPr sz="1100" i="1" spc="-180" dirty="0">
-                <a:solidFill>
-                  <a:srgbClr val="777879"/>
-                </a:solidFill>
-                <a:latin typeface="AdobeClean-LightIt"/>
-                <a:cs typeface="AdobeClean-LightIt"/>
-              </a:rPr>
-              <a:t> </a:t>
-            </a:r>
-            <a:r>
-              <a:rPr sz="1100" i="1" spc="-15" dirty="0">
-                <a:solidFill>
-                  <a:srgbClr val="777879"/>
-                </a:solidFill>
-                <a:latin typeface="AdobeClean-LightIt"/>
-                <a:cs typeface="AdobeClean-LightIt"/>
-              </a:rPr>
-              <a:t>Manager</a:t>
-            </a:r>
-            <a:r>
-              <a:rPr lang="en-US" sz="1100" i="1" spc="-15" dirty="0">
-                <a:solidFill>
-                  <a:srgbClr val="777879"/>
-                </a:solidFill>
-                <a:latin typeface="AdobeClean-LightIt"/>
-                <a:cs typeface="AdobeClean-LightIt"/>
-              </a:rPr>
-              <a:t> </a:t>
-            </a:r>
-            <a:r>
-              <a:rPr sz="1100" i="1" spc="-15" dirty="0">
-                <a:solidFill>
-                  <a:srgbClr val="777879"/>
-                </a:solidFill>
-                <a:latin typeface="AdobeClean-LightIt"/>
-                <a:cs typeface="AdobeClean-LightIt"/>
-              </a:rPr>
-              <a:t>(CSM)</a:t>
-            </a:r>
-            <a:r>
-              <a:rPr lang="en-US" sz="1100" i="1" spc="-15" dirty="0">
-                <a:solidFill>
-                  <a:srgbClr val="777879"/>
-                </a:solidFill>
-                <a:latin typeface="AdobeClean-LightIt"/>
-                <a:cs typeface="AdobeClean-LightIt"/>
-              </a:rPr>
-              <a:t>.</a:t>
-            </a:r>
-            <a:endParaRPr sz="1100" dirty="0">
-              <a:latin typeface="AdobeClean-LightIt"/>
-              <a:cs typeface="AdobeClean-LightIt"/>
-            </a:endParaRPr>
           </a:p>
           <a:p>
             <a:pPr marL="34290">
@@ -11034,59 +9649,15 @@
               </a:spcBef>
             </a:pPr>
             <a:r>
-              <a:rPr sz="800" spc="-5" dirty="0">
+              <a:rPr lang="pt-BR" sz="800" dirty="0">
                 <a:solidFill>
                   <a:srgbClr val="6D6D6D"/>
                 </a:solidFill>
                 <a:latin typeface="Adobe Clean"/>
                 <a:cs typeface="Adobe Clean"/>
               </a:rPr>
-              <a:t>©202</a:t>
+              <a:t>©2022 Adobe. All Rights Reserved. Adobe Confidential.</a:t>
             </a:r>
-            <a:r>
-              <a:rPr lang="en-US" sz="800" spc="-5" dirty="0">
-                <a:solidFill>
-                  <a:srgbClr val="6D6D6D"/>
-                </a:solidFill>
-                <a:latin typeface="Adobe Clean"/>
-                <a:cs typeface="Adobe Clean"/>
-              </a:rPr>
-              <a:t>2</a:t>
-            </a:r>
-            <a:r>
-              <a:rPr sz="800" spc="-5" dirty="0">
-                <a:solidFill>
-                  <a:srgbClr val="6D6D6D"/>
-                </a:solidFill>
-                <a:latin typeface="Adobe Clean"/>
-                <a:cs typeface="Adobe Clean"/>
-              </a:rPr>
-              <a:t> Adobe. All Rights Reserved. Adobe</a:t>
-            </a:r>
-            <a:r>
-              <a:rPr sz="800" spc="75" dirty="0">
-                <a:solidFill>
-                  <a:srgbClr val="6D6D6D"/>
-                </a:solidFill>
-                <a:latin typeface="Adobe Clean"/>
-                <a:cs typeface="Adobe Clean"/>
-              </a:rPr>
-              <a:t> </a:t>
-            </a:r>
-            <a:r>
-              <a:rPr sz="800" spc="-5" dirty="0">
-                <a:solidFill>
-                  <a:srgbClr val="6D6D6D"/>
-                </a:solidFill>
-                <a:latin typeface="Adobe Clean"/>
-                <a:cs typeface="Adobe Clean"/>
-              </a:rPr>
-              <a:t>Confidential.</a:t>
-            </a:r>
-            <a:endParaRPr sz="800" dirty="0">
-              <a:latin typeface="Adobe Clean"/>
-              <a:cs typeface="Adobe Clean"/>
-            </a:endParaRPr>
           </a:p>
         </p:txBody>
       </p:sp>
@@ -11123,14 +9694,14 @@
               </a:spcBef>
             </a:pPr>
             <a:r>
-              <a:rPr lang="en-US" sz="1400" b="1" spc="-15" dirty="0">
+              <a:rPr lang="pt-BR" sz="1400" b="1">
                 <a:solidFill>
                   <a:srgbClr val="020302"/>
                 </a:solidFill>
                 <a:latin typeface="Adobe Clean"/>
                 <a:cs typeface="Adobe Clean"/>
               </a:rPr>
-              <a:t>Regional Hours Of Operation And Language Support</a:t>
+              <a:t>Horas regionais de funcionamento e suporte de idioma</a:t>
             </a:r>
           </a:p>
           <a:p>
@@ -11140,13 +9711,13 @@
               </a:spcBef>
             </a:pPr>
             <a:r>
-              <a:rPr lang="en-US" sz="1000" spc="-15" dirty="0">
+              <a:rPr lang="pt-BR" sz="1000">
                 <a:solidFill>
                   <a:srgbClr val="1F1F1F"/>
                 </a:solidFill>
                 <a:latin typeface="AdobeClean-Light"/>
               </a:rPr>
-              <a:t>Adobe’s local business hours align to the customer’s billing region.</a:t>
+              <a:t>O horário comercial local da Adobe está alinhado ao da região de faturamento do cliente.</a:t>
             </a:r>
           </a:p>
         </p:txBody>
@@ -11166,7 +9737,7 @@
           <p:nvPr>
             <p:extLst>
               <p:ext uri="{D42A27DB-BD31-4B8C-83A1-F6EECF244321}">
-                <p14:modId xmlns:p14="http://schemas.microsoft.com/office/powerpoint/2010/main" val="3670104941"/>
+                <p14:modId xmlns:p14="http://schemas.microsoft.com/office/powerpoint/2010/main" val="2350765268"/>
               </p:ext>
             </p:extLst>
           </p:nvPr>
@@ -11219,16 +9790,16 @@
                     <a:p>
                       <a:pPr algn="ctr"/>
                       <a:r>
-                        <a:rPr lang="en-US" sz="1100" dirty="0">
+                        <a:rPr lang="pt-BR" sz="1100">
                           <a:solidFill>
                             <a:schemeClr val="tx1"/>
                           </a:solidFill>
                           <a:latin typeface="Adobe Clean" panose="020B0503020404020204" pitchFamily="34" charset="0"/>
                         </a:rPr>
-                        <a:t>Americas </a:t>
+                        <a:t>Américas </a:t>
                       </a:r>
                       <a:r>
-                        <a:rPr lang="en-US" sz="1100" baseline="30000" dirty="0">
+                        <a:rPr lang="pt-BR" sz="1100" baseline="30000">
                           <a:solidFill>
                             <a:schemeClr val="tx1"/>
                           </a:solidFill>
@@ -11293,13 +9864,13 @@
                     <a:p>
                       <a:pPr algn="ctr"/>
                       <a:r>
-                        <a:rPr lang="en-US" sz="1100" dirty="0">
+                        <a:rPr lang="pt-BR" sz="1100" dirty="0">
                           <a:solidFill>
                             <a:schemeClr val="tx1"/>
                           </a:solidFill>
                           <a:latin typeface="Adobe Clean" panose="020B0503020404020204" pitchFamily="34" charset="0"/>
                         </a:rPr>
-                        <a:t>Europe, Middle East &amp; Africa</a:t>
+                        <a:t>Europa, Oriente Médio e África</a:t>
                       </a:r>
                     </a:p>
                   </a:txBody>
@@ -11358,13 +9929,13 @@
                     <a:p>
                       <a:pPr algn="ctr"/>
                       <a:r>
-                        <a:rPr lang="en-US" sz="1100" dirty="0">
+                        <a:rPr lang="pt-BR" sz="1100">
                           <a:solidFill>
                             <a:schemeClr val="tx1"/>
                           </a:solidFill>
                           <a:latin typeface="Adobe Clean" panose="020B0503020404020204" pitchFamily="34" charset="0"/>
                         </a:rPr>
-                        <a:t>Asia Pacific</a:t>
+                        <a:t>Ásia–Pacífico</a:t>
                       </a:r>
                     </a:p>
                   </a:txBody>
@@ -11423,13 +9994,13 @@
                     <a:p>
                       <a:pPr algn="ctr"/>
                       <a:r>
-                        <a:rPr lang="en-US" sz="1100" dirty="0">
+                        <a:rPr lang="pt-BR" sz="1100">
                           <a:solidFill>
                             <a:schemeClr val="tx1"/>
                           </a:solidFill>
                           <a:latin typeface="Adobe Clean" panose="020B0503020404020204" pitchFamily="34" charset="0"/>
                         </a:rPr>
-                        <a:t>Japan </a:t>
+                        <a:t>Japão </a:t>
                       </a:r>
                     </a:p>
                   </a:txBody>
@@ -11495,7 +10066,7 @@
                     <a:p>
                       <a:pPr algn="ctr"/>
                       <a:r>
-                        <a:rPr lang="en-US" sz="1100" dirty="0">
+                        <a:rPr lang="pt-BR" sz="1100">
                           <a:solidFill>
                             <a:schemeClr val="tx1"/>
                           </a:solidFill>
@@ -11560,13 +10131,13 @@
                     <a:p>
                       <a:pPr algn="ctr"/>
                       <a:r>
-                        <a:rPr lang="en-US" sz="1100" dirty="0">
+                        <a:rPr lang="pt-BR" sz="1100">
                           <a:solidFill>
                             <a:schemeClr val="tx1"/>
                           </a:solidFill>
                           <a:latin typeface="Adobe Clean" panose="020B0503020404020204" pitchFamily="34" charset="0"/>
                         </a:rPr>
-                        <a:t>9 am – 5 pm</a:t>
+                        <a:t>9h – 17h</a:t>
                       </a:r>
                     </a:p>
                   </a:txBody>
@@ -11625,13 +10196,13 @@
                     <a:p>
                       <a:pPr algn="ctr"/>
                       <a:r>
-                        <a:rPr lang="en-US" sz="1100" dirty="0">
+                        <a:rPr lang="pt-BR" sz="1100">
                           <a:solidFill>
                             <a:schemeClr val="tx1"/>
                           </a:solidFill>
                           <a:latin typeface="Adobe Clean" panose="020B0503020404020204" pitchFamily="34" charset="0"/>
                         </a:rPr>
-                        <a:t>9 am – 5 pm</a:t>
+                        <a:t>9h – 17h</a:t>
                       </a:r>
                     </a:p>
                   </a:txBody>
@@ -11690,13 +10261,13 @@
                     <a:p>
                       <a:pPr algn="ctr"/>
                       <a:r>
-                        <a:rPr lang="en-US" sz="1100" dirty="0">
+                        <a:rPr lang="pt-BR" sz="1100">
                           <a:solidFill>
                             <a:schemeClr val="tx1"/>
                           </a:solidFill>
                           <a:latin typeface="Adobe Clean" panose="020B0503020404020204" pitchFamily="34" charset="0"/>
                         </a:rPr>
-                        <a:t>9 am – 5:30 pm</a:t>
+                        <a:t>9h – 17h30</a:t>
                       </a:r>
                     </a:p>
                   </a:txBody>
@@ -11760,7 +10331,7 @@
                     <a:bodyPr/>
                     <a:lstStyle/>
                     <a:p>
-                      <a:pPr marL="0" marR="0" lvl="0" indent="0" algn="ctr" defTabSz="914400" eaLnBrk="1" fontAlgn="auto" latinLnBrk="0" hangingPunct="1">
+                      <a:pPr marL="0" marR="0" lvl="0" indent="0" algn="l" defTabSz="914400" rtl="0" eaLnBrk="1" fontAlgn="auto" latinLnBrk="0" hangingPunct="1">
                         <a:lnSpc>
                           <a:spcPct val="100000"/>
                         </a:lnSpc>
@@ -11803,7 +10374,7 @@
                         <a:defRPr/>
                       </a:pPr>
                       <a:r>
-                        <a:rPr lang="en-US" sz="1100" baseline="30000" dirty="0">
+                        <a:rPr lang="pt-BR" sz="1100" baseline="30000" dirty="0">
                           <a:solidFill>
                             <a:schemeClr val="tx1"/>
                           </a:solidFill>
@@ -11812,17 +10383,17 @@
                         <a:t>1</a:t>
                       </a:r>
                       <a:r>
-                        <a:rPr lang="en-US" sz="1100" dirty="0">
+                        <a:rPr lang="pt-BR" sz="1100" dirty="0">
                           <a:solidFill>
                             <a:schemeClr val="tx1"/>
                           </a:solidFill>
                           <a:latin typeface="Adobe Clean" panose="020B0503020404020204" pitchFamily="34" charset="0"/>
                         </a:rPr>
-                        <a:t>Americas Language support available in English only.</a:t>
+                        <a:t>Suporte ao idioma das Américas disponível apenas em inglês.</a:t>
                       </a:r>
                     </a:p>
                     <a:p>
-                      <a:pPr marL="0" marR="0" lvl="0" indent="0" algn="ctr" defTabSz="914400" eaLnBrk="1" fontAlgn="auto" latinLnBrk="0" hangingPunct="1">
+                      <a:pPr marL="0" marR="0" lvl="0" indent="0" algn="l" defTabSz="914400" rtl="0" eaLnBrk="1" fontAlgn="auto" latinLnBrk="0" hangingPunct="1">
                         <a:lnSpc>
                           <a:spcPct val="100000"/>
                         </a:lnSpc>
@@ -12165,7 +10736,7 @@
           <p:nvPr/>
         </p:nvPicPr>
         <p:blipFill>
-          <a:blip r:embed="rId7" cstate="print"/>
+          <a:blip r:embed="rId6" cstate="print"/>
           <a:stretch>
             <a:fillRect/>
           </a:stretch>
@@ -12207,7 +10778,7 @@
           </a:bodyPr>
           <a:lstStyle/>
           <a:p>
-            <a:pPr marL="139065" marR="5080" indent="-139065">
+            <a:pPr marR="5080" algn="ctr">
               <a:lnSpc>
                 <a:spcPts val="1390"/>
               </a:lnSpc>
@@ -12216,129 +10787,15 @@
               </a:spcBef>
             </a:pPr>
             <a:r>
-              <a:rPr sz="1200" b="1" spc="-15" dirty="0">
+              <a:rPr lang="pt-BR" sz="1200" b="1" dirty="0">
                 <a:solidFill>
                   <a:srgbClr val="FFFFFF"/>
                 </a:solidFill>
                 <a:latin typeface="Adobe Clean"/>
                 <a:cs typeface="Adobe Clean"/>
               </a:rPr>
-              <a:t>U</a:t>
+              <a:t>Experiência sem igual</a:t>
             </a:r>
-            <a:r>
-              <a:rPr sz="1200" b="1" spc="-20" dirty="0">
-                <a:solidFill>
-                  <a:srgbClr val="FFFFFF"/>
-                </a:solidFill>
-                <a:latin typeface="Adobe Clean"/>
-                <a:cs typeface="Adobe Clean"/>
-              </a:rPr>
-              <a:t>n</a:t>
-            </a:r>
-            <a:r>
-              <a:rPr sz="1200" b="1" spc="-25" dirty="0">
-                <a:solidFill>
-                  <a:srgbClr val="FFFFFF"/>
-                </a:solidFill>
-                <a:latin typeface="Adobe Clean"/>
-                <a:cs typeface="Adobe Clean"/>
-              </a:rPr>
-              <a:t>p</a:t>
-            </a:r>
-            <a:r>
-              <a:rPr sz="1200" b="1" spc="-15" dirty="0">
-                <a:solidFill>
-                  <a:srgbClr val="FFFFFF"/>
-                </a:solidFill>
-                <a:latin typeface="Adobe Clean"/>
-                <a:cs typeface="Adobe Clean"/>
-              </a:rPr>
-              <a:t>a</a:t>
-            </a:r>
-            <a:r>
-              <a:rPr sz="1200" b="1" spc="-25" dirty="0">
-                <a:solidFill>
-                  <a:srgbClr val="FFFFFF"/>
-                </a:solidFill>
-                <a:latin typeface="Adobe Clean"/>
-                <a:cs typeface="Adobe Clean"/>
-              </a:rPr>
-              <a:t>r</a:t>
-            </a:r>
-            <a:r>
-              <a:rPr sz="1200" b="1" spc="-15" dirty="0">
-                <a:solidFill>
-                  <a:srgbClr val="FFFFFF"/>
-                </a:solidFill>
-                <a:latin typeface="Adobe Clean"/>
-                <a:cs typeface="Adobe Clean"/>
-              </a:rPr>
-              <a:t>a</a:t>
-            </a:r>
-            <a:r>
-              <a:rPr sz="1200" b="1" spc="-30" dirty="0">
-                <a:solidFill>
-                  <a:srgbClr val="FFFFFF"/>
-                </a:solidFill>
-                <a:latin typeface="Adobe Clean"/>
-                <a:cs typeface="Adobe Clean"/>
-              </a:rPr>
-              <a:t>ll</a:t>
-            </a:r>
-            <a:r>
-              <a:rPr sz="1200" b="1" spc="-25" dirty="0">
-                <a:solidFill>
-                  <a:srgbClr val="FFFFFF"/>
-                </a:solidFill>
-                <a:latin typeface="Adobe Clean"/>
-                <a:cs typeface="Adobe Clean"/>
-              </a:rPr>
-              <a:t>e</a:t>
-            </a:r>
-            <a:r>
-              <a:rPr sz="1200" b="1" spc="-30" dirty="0">
-                <a:solidFill>
-                  <a:srgbClr val="FFFFFF"/>
-                </a:solidFill>
-                <a:latin typeface="Adobe Clean"/>
-                <a:cs typeface="Adobe Clean"/>
-              </a:rPr>
-              <a:t>l</a:t>
-            </a:r>
-            <a:r>
-              <a:rPr sz="1200" b="1" spc="-25" dirty="0">
-                <a:solidFill>
-                  <a:srgbClr val="FFFFFF"/>
-                </a:solidFill>
-                <a:latin typeface="Adobe Clean"/>
-                <a:cs typeface="Adobe Clean"/>
-              </a:rPr>
-              <a:t>e</a:t>
-            </a:r>
-            <a:r>
-              <a:rPr sz="1200" b="1" dirty="0">
-                <a:solidFill>
-                  <a:srgbClr val="FFFFFF"/>
-                </a:solidFill>
-                <a:latin typeface="Adobe Clean"/>
-                <a:cs typeface="Adobe Clean"/>
-              </a:rPr>
-              <a:t>d  </a:t>
-            </a:r>
-            <a:r>
-              <a:rPr sz="1200" b="1" spc="-25" dirty="0">
-                <a:solidFill>
-                  <a:srgbClr val="FFFFFF"/>
-                </a:solidFill>
-                <a:latin typeface="Adobe Clean"/>
-                <a:cs typeface="Adobe Clean"/>
-              </a:rPr>
-              <a:t>Expertise</a:t>
-            </a:r>
-            <a:endParaRPr sz="1200" dirty="0">
-              <a:latin typeface="Adobe Clean"/>
-              <a:cs typeface="Adobe Clean"/>
-            </a:endParaRPr>
           </a:p>
         </p:txBody>
       </p:sp>
@@ -12369,7 +10826,7 @@
           </a:bodyPr>
           <a:lstStyle/>
           <a:p>
-            <a:pPr marL="139065" marR="5080" indent="-139065">
+            <a:pPr marR="5080" algn="ctr">
               <a:lnSpc>
                 <a:spcPts val="1390"/>
               </a:lnSpc>
@@ -12378,19 +10835,15 @@
               </a:spcBef>
             </a:pPr>
             <a:r>
-              <a:rPr lang="en-US" sz="1200" b="1" spc="-15" dirty="0">
+              <a:rPr lang="pt-BR" sz="1200" b="1" dirty="0">
                 <a:solidFill>
                   <a:srgbClr val="FFFFFF"/>
                 </a:solidFill>
                 <a:latin typeface="Adobe Clean"/>
                 <a:cs typeface="Adobe Clean"/>
               </a:rPr>
-              <a:t>Accelerated Support</a:t>
+              <a:t>Suporte acelerado</a:t>
             </a:r>
-            <a:endParaRPr sz="1200" dirty="0">
-              <a:latin typeface="Adobe Clean"/>
-              <a:cs typeface="Adobe Clean"/>
-            </a:endParaRPr>
           </a:p>
         </p:txBody>
       </p:sp>
@@ -12408,8 +10861,8 @@
         </p:nvSpPr>
         <p:spPr>
           <a:xfrm>
-            <a:off x="6624119" y="8543943"/>
-            <a:ext cx="510540" cy="385445"/>
+            <a:off x="6468275" y="8543943"/>
+            <a:ext cx="822229" cy="741870"/>
           </a:xfrm>
           <a:prstGeom prst="rect">
             <a:avLst/>
@@ -12421,7 +10874,7 @@
           </a:bodyPr>
           <a:lstStyle/>
           <a:p>
-            <a:pPr marL="50800" marR="5080" indent="-51435">
+            <a:pPr marR="5080" algn="ctr">
               <a:lnSpc>
                 <a:spcPts val="1390"/>
               </a:lnSpc>
@@ -12430,109 +10883,15 @@
               </a:spcBef>
             </a:pPr>
             <a:r>
-              <a:rPr sz="1200" b="1" spc="-50" dirty="0">
+              <a:rPr lang="pt-BR" sz="1200" b="1" dirty="0">
                 <a:solidFill>
                   <a:srgbClr val="FFFFFF"/>
                 </a:solidFill>
                 <a:latin typeface="Adobe Clean"/>
                 <a:cs typeface="Adobe Clean"/>
               </a:rPr>
-              <a:t>S</a:t>
+              <a:t>Consultoria estratégica</a:t>
             </a:r>
-            <a:r>
-              <a:rPr sz="1200" b="1" spc="-20" dirty="0">
-                <a:solidFill>
-                  <a:srgbClr val="FFFFFF"/>
-                </a:solidFill>
-                <a:latin typeface="Adobe Clean"/>
-                <a:cs typeface="Adobe Clean"/>
-              </a:rPr>
-              <a:t>t</a:t>
-            </a:r>
-            <a:r>
-              <a:rPr sz="1200" b="1" spc="-75" dirty="0">
-                <a:solidFill>
-                  <a:srgbClr val="FFFFFF"/>
-                </a:solidFill>
-                <a:latin typeface="Adobe Clean"/>
-                <a:cs typeface="Adobe Clean"/>
-              </a:rPr>
-              <a:t>r</a:t>
-            </a:r>
-            <a:r>
-              <a:rPr sz="1200" b="1" spc="-90" dirty="0">
-                <a:solidFill>
-                  <a:srgbClr val="FFFFFF"/>
-                </a:solidFill>
-                <a:latin typeface="Adobe Clean"/>
-                <a:cs typeface="Adobe Clean"/>
-              </a:rPr>
-              <a:t>a</a:t>
-            </a:r>
-            <a:r>
-              <a:rPr sz="1200" b="1" spc="-55" dirty="0">
-                <a:solidFill>
-                  <a:srgbClr val="FFFFFF"/>
-                </a:solidFill>
-                <a:latin typeface="Adobe Clean"/>
-                <a:cs typeface="Adobe Clean"/>
-              </a:rPr>
-              <a:t>t</a:t>
-            </a:r>
-            <a:r>
-              <a:rPr sz="1200" b="1" spc="-100" dirty="0">
-                <a:solidFill>
-                  <a:srgbClr val="FFFFFF"/>
-                </a:solidFill>
-                <a:latin typeface="Adobe Clean"/>
-                <a:cs typeface="Adobe Clean"/>
-              </a:rPr>
-              <a:t>e</a:t>
-            </a:r>
-            <a:r>
-              <a:rPr sz="1200" b="1" spc="-80" dirty="0">
-                <a:solidFill>
-                  <a:srgbClr val="FFFFFF"/>
-                </a:solidFill>
-                <a:latin typeface="Adobe Clean"/>
-                <a:cs typeface="Adobe Clean"/>
-              </a:rPr>
-              <a:t>g</a:t>
-            </a:r>
-            <a:r>
-              <a:rPr sz="1200" b="1" spc="-35" dirty="0">
-                <a:solidFill>
-                  <a:srgbClr val="FFFFFF"/>
-                </a:solidFill>
-                <a:latin typeface="Adobe Clean"/>
-                <a:cs typeface="Adobe Clean"/>
-              </a:rPr>
-              <a:t>i</a:t>
-            </a:r>
-            <a:r>
-              <a:rPr sz="1200" b="1" dirty="0">
-                <a:solidFill>
-                  <a:srgbClr val="FFFFFF"/>
-                </a:solidFill>
-                <a:latin typeface="Adobe Clean"/>
-                <a:cs typeface="Adobe Clean"/>
-              </a:rPr>
-              <a:t>c  </a:t>
-            </a:r>
-            <a:r>
-              <a:rPr sz="1200" b="1" spc="-45" dirty="0">
-                <a:solidFill>
-                  <a:srgbClr val="FFFFFF"/>
-                </a:solidFill>
-                <a:latin typeface="Adobe Clean"/>
-                <a:cs typeface="Adobe Clean"/>
-              </a:rPr>
-              <a:t>Advice</a:t>
-            </a:r>
-            <a:endParaRPr sz="1200" dirty="0">
-              <a:latin typeface="Adobe Clean"/>
-              <a:cs typeface="Adobe Clean"/>
-            </a:endParaRPr>
           </a:p>
         </p:txBody>
       </p:sp>
@@ -12551,13 +10910,13 @@
           <p:nvPr/>
         </p:nvPicPr>
         <p:blipFill>
-          <a:blip r:embed="rId8">
+          <a:blip r:embed="rId7">
             <a:extLst>
               <a:ext uri="{28A0092B-C50C-407E-A947-70E740481C1C}">
                 <a14:useLocalDpi xmlns:a14="http://schemas.microsoft.com/office/drawing/2010/main" val="0"/>
               </a:ext>
               <a:ext uri="{96DAC541-7B7A-43D3-8B79-37D633B846F1}">
-                <asvg:svgBlip xmlns:asvg="http://schemas.microsoft.com/office/drawing/2016/SVG/main" r:embed="rId9"/>
+                <asvg:svgBlip xmlns:asvg="http://schemas.microsoft.com/office/drawing/2016/SVG/main" r:embed="rId8"/>
               </a:ext>
             </a:extLst>
           </a:blip>
@@ -12590,13 +10949,13 @@
           <p:nvPr/>
         </p:nvPicPr>
         <p:blipFill>
-          <a:blip r:embed="rId10">
+          <a:blip r:embed="rId9">
             <a:extLst>
               <a:ext uri="{28A0092B-C50C-407E-A947-70E740481C1C}">
                 <a14:useLocalDpi xmlns:a14="http://schemas.microsoft.com/office/drawing/2010/main" val="0"/>
               </a:ext>
               <a:ext uri="{96DAC541-7B7A-43D3-8B79-37D633B846F1}">
-                <asvg:svgBlip xmlns:asvg="http://schemas.microsoft.com/office/drawing/2016/SVG/main" r:embed="rId11"/>
+                <asvg:svgBlip xmlns:asvg="http://schemas.microsoft.com/office/drawing/2016/SVG/main" r:embed="rId10"/>
               </a:ext>
             </a:extLst>
           </a:blip>
@@ -12629,13 +10988,13 @@
           <p:nvPr/>
         </p:nvPicPr>
         <p:blipFill>
-          <a:blip r:embed="rId12">
+          <a:blip r:embed="rId11">
             <a:extLst>
               <a:ext uri="{28A0092B-C50C-407E-A947-70E740481C1C}">
                 <a14:useLocalDpi xmlns:a14="http://schemas.microsoft.com/office/drawing/2010/main" val="0"/>
               </a:ext>
               <a:ext uri="{96DAC541-7B7A-43D3-8B79-37D633B846F1}">
-                <asvg:svgBlip xmlns:asvg="http://schemas.microsoft.com/office/drawing/2016/SVG/main" r:embed="rId13"/>
+                <asvg:svgBlip xmlns:asvg="http://schemas.microsoft.com/office/drawing/2016/SVG/main" r:embed="rId12"/>
               </a:ext>
             </a:extLst>
           </a:blip>
@@ -12675,7 +11034,7 @@
         </p:nvGraphicFramePr>
         <p:xfrm>
           <a:off x="194237" y="1272353"/>
-          <a:ext cx="7368291" cy="2473960"/>
+          <a:ext cx="7368291" cy="2778760"/>
         </p:xfrm>
         <a:graphic>
           <a:graphicData uri="http://schemas.openxmlformats.org/drawingml/2006/table">
@@ -12709,18 +11068,17 @@
                         <a:buNone/>
                       </a:pPr>
                       <a:r>
-                        <a:rPr lang="en-US" sz="1200" b="0" strike="noStrike" dirty="0">
+                        <a:rPr lang="pt-BR" sz="1200" b="0" strike="noStrike">
                           <a:solidFill>
                             <a:srgbClr val="5F5F5F"/>
                           </a:solidFill>
                           <a:latin typeface="Adobe Clean"/>
                           <a:ea typeface="+mn-ea"/>
                           <a:cs typeface="+mn-cs"/>
-                          <a:hlinkClick r:id="rId14"/>
+                          <a:hlinkClick r:id="rId13"/>
                         </a:rPr>
-                        <a:t>Enterprise Learn &amp; Support</a:t>
+                        <a:t>Aprendizagem e suporte Enterprise</a:t>
                       </a:r>
-                      <a:endParaRPr lang="en-US"/>
                     </a:p>
                   </a:txBody>
                   <a:tcPr marL="47625" marR="47625" marT="0" marB="0" anchor="ctr">
@@ -12792,7 +11150,7 @@
                         <a:buNone/>
                       </a:pPr>
                       <a:r>
-                        <a:rPr lang="en-US" sz="1000" b="0" strike="noStrike" kern="1200" dirty="0">
+                        <a:rPr lang="pt-BR" sz="1000" b="0" strike="noStrike">
                           <a:solidFill>
                             <a:schemeClr val="tx1"/>
                           </a:solidFill>
@@ -12800,7 +11158,7 @@
                           <a:ea typeface="+mn-ea"/>
                           <a:cs typeface="+mn-cs"/>
                         </a:rPr>
-                        <a:t>Enterprise Learn &amp; Support is a place where Adobe customers can find self-help tutorials, product documentation, instructor-led training, community and support for select Adobe Creative Cloud and Document products.</a:t>
+                        <a:t>Aprendizagem e suporte Enterprise é um local onde os clientes da Adobe podem encontrar tutoriais de autoajuda, documentação do produto, treinamento ministrado por instrutor, comunidade e suporte para produtos da Adobe Creative Cloud e Document selecionados.</a:t>
                       </a:r>
                     </a:p>
                   </a:txBody>
@@ -12882,15 +11240,14 @@
                         <a:defRPr/>
                       </a:pPr>
                       <a:r>
-                        <a:rPr lang="en-US" sz="1200" strike="noStrike" dirty="0">
+                        <a:rPr lang="pt-BR" sz="1200" strike="noStrike">
                           <a:solidFill>
                             <a:srgbClr val="5F5F5F"/>
                           </a:solidFill>
-                          <a:effectLst/>
                           <a:latin typeface="Adobe Clean" panose="020B0503020404020204" pitchFamily="34" charset="0"/>
                           <a:ea typeface="+mn-ea"/>
                           <a:cs typeface="+mn-cs"/>
-                          <a:hlinkClick r:id="rId15">
+                          <a:hlinkClick r:id="rId14">
                             <a:extLst>
                               <a:ext uri="{A12FA001-AC4F-418D-AE19-62706E023703}">
                                 <ahyp:hlinkClr xmlns:ahyp="http://schemas.microsoft.com/office/drawing/2018/hyperlinkcolor" val="tx"/>
@@ -12898,17 +11255,8 @@
                             </a:extLst>
                           </a:hlinkClick>
                         </a:rPr>
-                        <a:t>Adobe Support Community </a:t>
+                        <a:t>Comunidade de suporte da Adobe </a:t>
                       </a:r>
-                      <a:endParaRPr lang="en-US" sz="1200" strike="noStrike" dirty="0">
-                        <a:solidFill>
-                          <a:srgbClr val="5F5F5F"/>
-                        </a:solidFill>
-                        <a:effectLst/>
-                        <a:latin typeface="Adobe Clean" panose="020B0503020404020204" pitchFamily="34" charset="0"/>
-                        <a:ea typeface="+mn-ea"/>
-                        <a:cs typeface="+mn-cs"/>
-                      </a:endParaRPr>
                     </a:p>
                   </a:txBody>
                   <a:tcPr anchor="ctr">
@@ -12982,7 +11330,7 @@
                         <a:defRPr/>
                       </a:pPr>
                       <a:r>
-                        <a:rPr lang="en-US" sz="1000" strike="noStrike" kern="1200" dirty="0">
+                        <a:rPr lang="pt-BR" sz="1000" strike="noStrike">
                           <a:solidFill>
                             <a:schemeClr val="tx1"/>
                           </a:solidFill>
@@ -12990,19 +11338,8 @@
                           <a:ea typeface="+mn-ea"/>
                           <a:cs typeface="+mn-cs"/>
                         </a:rPr>
-                        <a:t>The Adobe Support Community is the place to ask questions, find answers, learn from experts and share your knowledge.</a:t>
+                        <a:t>A Comunidade de suporte da Adobe é o lugar ideal para fazer perguntas, encontrar respostas, aprender com especialistas e compartilhar seu conhecimento.</a:t>
                       </a:r>
-                      <a:endParaRPr lang="en-US" sz="1000" strike="noStrike" kern="1200" dirty="0">
-                        <a:solidFill>
-                          <a:schemeClr val="tx1"/>
-                        </a:solidFill>
-                        <a:highlight>
-                          <a:srgbClr val="FFFF00"/>
-                        </a:highlight>
-                        <a:latin typeface="Adobe Clean Light" panose="020B0303020404020204" pitchFamily="34" charset="0"/>
-                        <a:ea typeface="+mn-ea"/>
-                        <a:cs typeface="+mn-cs"/>
-                      </a:endParaRPr>
                     </a:p>
                   </a:txBody>
                   <a:tcPr anchor="ctr">
@@ -13083,15 +11420,14 @@
                         <a:defRPr/>
                       </a:pPr>
                       <a:r>
-                        <a:rPr lang="en-US" sz="1200" dirty="0">
+                        <a:rPr lang="pt-BR" sz="1200">
                           <a:solidFill>
                             <a:srgbClr val="5F5F5F"/>
                           </a:solidFill>
-                          <a:effectLst/>
                           <a:latin typeface="Adobe Clean" panose="020B0503020404020204" pitchFamily="34" charset="0"/>
                           <a:ea typeface="+mn-ea"/>
                           <a:cs typeface="+mn-cs"/>
-                          <a:hlinkClick r:id="rId16">
+                          <a:hlinkClick r:id="rId15">
                             <a:extLst>
                               <a:ext uri="{A12FA001-AC4F-418D-AE19-62706E023703}">
                                 <ahyp:hlinkClr xmlns:ahyp="http://schemas.microsoft.com/office/drawing/2018/hyperlinkcolor" val="tx"/>
@@ -13099,17 +11435,8 @@
                             </a:extLst>
                           </a:hlinkClick>
                         </a:rPr>
-                        <a:t>Production Issues &amp; System Outages</a:t>
+                        <a:t>Problemas de produção e paralisações do sistema</a:t>
                       </a:r>
-                      <a:endParaRPr lang="en-US" sz="1200" dirty="0">
-                        <a:solidFill>
-                          <a:srgbClr val="5F5F5F"/>
-                        </a:solidFill>
-                        <a:effectLst/>
-                        <a:latin typeface="Adobe Clean" panose="020B0503020404020204" pitchFamily="34" charset="0"/>
-                        <a:ea typeface="+mn-ea"/>
-                        <a:cs typeface="+mn-cs"/>
-                      </a:endParaRPr>
                     </a:p>
                   </a:txBody>
                   <a:tcPr anchor="ctr">
@@ -13183,7 +11510,7 @@
                         <a:defRPr/>
                       </a:pPr>
                       <a:r>
-                        <a:rPr lang="en-US" sz="1000" kern="1200" dirty="0">
+                        <a:rPr lang="pt-BR" sz="1000">
                           <a:solidFill>
                             <a:schemeClr val="tx1"/>
                           </a:solidFill>
@@ -13191,7 +11518,7 @@
                           <a:ea typeface="+mn-ea"/>
                           <a:cs typeface="+mn-cs"/>
                         </a:rPr>
-                        <a:t>Status.adobe.com conveys the health information of all Adobe products and services that are deployed in multi-tenant environments. Customers can choose their subscription preferences to get email notifications whenever Adobe creates, updates or resolves a product event. This can include scheduled maintenance or service issues of varying levels of severity. </a:t>
+                        <a:t>O Status.adobe.com transmite as informações de integridade de todos os produtos e serviços da Adobe implantados em ambientes de vários locatários. Os clientes podem escolher suas preferências de subscrição para receber notificações por email sempre que a Adobe criar, atualizar ou resolver um evento de produto. Isso pode incluir manutenção programada ou problemas de serviço com diferentes níveis de gravidade. </a:t>
                       </a:r>
                     </a:p>
                   </a:txBody>
@@ -13273,15 +11600,14 @@
                         <a:defRPr/>
                       </a:pPr>
                       <a:r>
-                        <a:rPr lang="en-US" sz="1200" dirty="0">
+                        <a:rPr lang="pt-BR" sz="1200">
                           <a:solidFill>
                             <a:srgbClr val="5F5F5F"/>
                           </a:solidFill>
-                          <a:effectLst/>
                           <a:latin typeface="Adobe Clean" panose="020B0503020404020204" pitchFamily="34" charset="0"/>
                           <a:ea typeface="+mn-ea"/>
                           <a:cs typeface="+mn-cs"/>
-                          <a:hlinkClick r:id="rId17">
+                          <a:hlinkClick r:id="rId16">
                             <a:extLst>
                               <a:ext uri="{A12FA001-AC4F-418D-AE19-62706E023703}">
                                 <ahyp:hlinkClr xmlns:ahyp="http://schemas.microsoft.com/office/drawing/2018/hyperlinkcolor" val="tx"/>
@@ -13289,17 +11615,8 @@
                             </a:extLst>
                           </a:hlinkClick>
                         </a:rPr>
-                        <a:t>Terms and Conditions</a:t>
+                        <a:t>Termos e condições</a:t>
                       </a:r>
-                      <a:endParaRPr lang="en-US" sz="1200" dirty="0">
-                        <a:solidFill>
-                          <a:srgbClr val="5F5F5F"/>
-                        </a:solidFill>
-                        <a:effectLst/>
-                        <a:latin typeface="Adobe Clean" panose="020B0503020404020204" pitchFamily="34" charset="0"/>
-                        <a:ea typeface="+mn-ea"/>
-                        <a:cs typeface="+mn-cs"/>
-                      </a:endParaRPr>
                     </a:p>
                   </a:txBody>
                   <a:tcPr anchor="ctr">
@@ -13356,7 +11673,7 @@
                     <a:lstStyle/>
                     <a:p>
                       <a:r>
-                        <a:rPr lang="en-US" sz="1000" kern="1200" dirty="0">
+                        <a:rPr lang="pt-BR" sz="1000">
                           <a:solidFill>
                             <a:schemeClr val="tx1"/>
                           </a:solidFill>
@@ -13364,7 +11681,7 @@
                           <a:ea typeface="+mn-ea"/>
                           <a:cs typeface="+mn-cs"/>
                         </a:rPr>
-                        <a:t>Terms and conditions detailing Support Services offerings.</a:t>
+                        <a:t>Os Termos e condições que detalham os serviços de suporte.</a:t>
                       </a:r>
                     </a:p>
                   </a:txBody>
@@ -13441,7 +11758,7 @@
         <p:spPr>
           <a:xfrm flipV="1">
             <a:off x="197403" y="859202"/>
-            <a:ext cx="777240" cy="45719"/>
+            <a:ext cx="685800" cy="45719"/>
           </a:xfrm>
           <a:custGeom>
             <a:avLst/>
@@ -13484,11 +11801,6 @@
   <p:clrMapOvr>
     <a:masterClrMapping/>
   </p:clrMapOvr>
-  <p:extLst>
-    <p:ext uri="{6950BFC3-D8DA-4A85-94F7-54DA5524770B}">
-      <p188:commentRel xmlns:p188="http://schemas.microsoft.com/office/powerpoint/2018/8/main" r:id="rId3"/>
-    </p:ext>
-  </p:extLst>
 </p:sld>
 </file>
 
